--- a/Slides/Lecture 7-2.pptx
+++ b/Slides/Lecture 7-2.pptx
@@ -6,7 +6,7 @@
     <p:sldMasterId id="2147483684" r:id="rId2"/>
   </p:sldMasterIdLst>
   <p:notesMasterIdLst>
-    <p:notesMasterId r:id="rId26"/>
+    <p:notesMasterId r:id="rId28"/>
   </p:notesMasterIdLst>
   <p:sldIdLst>
     <p:sldId id="616" r:id="rId3"/>
@@ -15,23 +15,25 @@
     <p:sldId id="801" r:id="rId6"/>
     <p:sldId id="802" r:id="rId7"/>
     <p:sldId id="803" r:id="rId8"/>
-    <p:sldId id="804" r:id="rId9"/>
-    <p:sldId id="805" r:id="rId10"/>
-    <p:sldId id="806" r:id="rId11"/>
+    <p:sldId id="805" r:id="rId9"/>
+    <p:sldId id="806" r:id="rId10"/>
+    <p:sldId id="804" r:id="rId11"/>
     <p:sldId id="808" r:id="rId12"/>
-    <p:sldId id="813" r:id="rId13"/>
-    <p:sldId id="814" r:id="rId14"/>
-    <p:sldId id="825" r:id="rId15"/>
-    <p:sldId id="826" r:id="rId16"/>
-    <p:sldId id="827" r:id="rId17"/>
-    <p:sldId id="828" r:id="rId18"/>
-    <p:sldId id="815" r:id="rId19"/>
-    <p:sldId id="824" r:id="rId20"/>
-    <p:sldId id="809" r:id="rId21"/>
-    <p:sldId id="810" r:id="rId22"/>
-    <p:sldId id="811" r:id="rId23"/>
-    <p:sldId id="812" r:id="rId24"/>
-    <p:sldId id="823" r:id="rId25"/>
+    <p:sldId id="829" r:id="rId13"/>
+    <p:sldId id="830" r:id="rId14"/>
+    <p:sldId id="831" r:id="rId15"/>
+    <p:sldId id="833" r:id="rId16"/>
+    <p:sldId id="834" r:id="rId17"/>
+    <p:sldId id="835" r:id="rId18"/>
+    <p:sldId id="836" r:id="rId19"/>
+    <p:sldId id="837" r:id="rId20"/>
+    <p:sldId id="815" r:id="rId21"/>
+    <p:sldId id="824" r:id="rId22"/>
+    <p:sldId id="809" r:id="rId23"/>
+    <p:sldId id="810" r:id="rId24"/>
+    <p:sldId id="811" r:id="rId25"/>
+    <p:sldId id="812" r:id="rId26"/>
+    <p:sldId id="823" r:id="rId27"/>
   </p:sldIdLst>
   <p:sldSz cx="9144000" cy="5143500" type="screen16x9"/>
   <p:notesSz cx="6858000" cy="9144000"/>
@@ -232,7 +234,7 @@
             <a:fld id="{A6781D3C-003D-4837-A496-9A32CDA8003A}" type="datetimeFigureOut">
               <a:rPr lang="en-US" smtClean="0"/>
               <a:pPr/>
-              <a:t>2/5/19</a:t>
+              <a:t>2/4/2019</a:t>
             </a:fld>
             <a:endParaRPr lang="en-US"/>
           </a:p>
@@ -498,182 +500,6 @@
     </a:lvl9pPr>
   </p:notesStyle>
 </p:notesMaster>
-</file>
-
-<file path=ppt/notesSlides/notesSlide1.xml><?xml version="1.0" encoding="utf-8"?>
-<p:notes xmlns:a="http://schemas.openxmlformats.org/drawingml/2006/main" xmlns:r="http://schemas.openxmlformats.org/officeDocument/2006/relationships" xmlns:p="http://schemas.openxmlformats.org/presentationml/2006/main">
-  <p:cSld>
-    <p:spTree>
-      <p:nvGrpSpPr>
-        <p:cNvPr id="1" name=""/>
-        <p:cNvGrpSpPr/>
-        <p:nvPr/>
-      </p:nvGrpSpPr>
-      <p:grpSpPr>
-        <a:xfrm>
-          <a:off x="0" y="0"/>
-          <a:ext cx="0" cy="0"/>
-          <a:chOff x="0" y="0"/>
-          <a:chExt cx="0" cy="0"/>
-        </a:xfrm>
-      </p:grpSpPr>
-      <p:sp>
-        <p:nvSpPr>
-          <p:cNvPr id="2" name="Slide Image Placeholder 1"/>
-          <p:cNvSpPr>
-            <a:spLocks noGrp="1" noRot="1" noChangeAspect="1"/>
-          </p:cNvSpPr>
-          <p:nvPr>
-            <p:ph type="sldImg"/>
-          </p:nvPr>
-        </p:nvSpPr>
-        <p:spPr/>
-      </p:sp>
-      <p:sp>
-        <p:nvSpPr>
-          <p:cNvPr id="3" name="Notes Placeholder 2"/>
-          <p:cNvSpPr>
-            <a:spLocks noGrp="1"/>
-          </p:cNvSpPr>
-          <p:nvPr>
-            <p:ph type="body" idx="1"/>
-          </p:nvPr>
-        </p:nvSpPr>
-        <p:spPr/>
-        <p:txBody>
-          <a:bodyPr/>
-          <a:lstStyle/>
-          <a:p>
-            <a:r>
-              <a:rPr lang="en-US" dirty="0"/>
-              <a:t>Development set is used to tune hyperparameters. Sometimes it’s also called validation test.</a:t>
-            </a:r>
-          </a:p>
-          <a:p>
-            <a:endParaRPr lang="en-US" dirty="0"/>
-          </a:p>
-        </p:txBody>
-      </p:sp>
-      <p:sp>
-        <p:nvSpPr>
-          <p:cNvPr id="4" name="Slide Number Placeholder 3"/>
-          <p:cNvSpPr>
-            <a:spLocks noGrp="1"/>
-          </p:cNvSpPr>
-          <p:nvPr>
-            <p:ph type="sldNum" sz="quarter" idx="5"/>
-          </p:nvPr>
-        </p:nvSpPr>
-        <p:spPr/>
-        <p:txBody>
-          <a:bodyPr/>
-          <a:lstStyle/>
-          <a:p>
-            <a:fld id="{6529D11D-5857-48CF-ABB8-89B8AC9FD03C}" type="slidenum">
-              <a:rPr lang="en-US" smtClean="0"/>
-              <a:pPr/>
-              <a:t>10</a:t>
-            </a:fld>
-            <a:endParaRPr lang="en-US"/>
-          </a:p>
-        </p:txBody>
-      </p:sp>
-    </p:spTree>
-    <p:extLst>
-      <p:ext uri="{BB962C8B-B14F-4D97-AF65-F5344CB8AC3E}">
-        <p14:creationId xmlns:p14="http://schemas.microsoft.com/office/powerpoint/2010/main" val="3898834355"/>
-      </p:ext>
-    </p:extLst>
-  </p:cSld>
-  <p:clrMapOvr>
-    <a:masterClrMapping/>
-  </p:clrMapOvr>
-</p:notes>
-</file>
-
-<file path=ppt/notesSlides/notesSlide2.xml><?xml version="1.0" encoding="utf-8"?>
-<p:notes xmlns:a="http://schemas.openxmlformats.org/drawingml/2006/main" xmlns:r="http://schemas.openxmlformats.org/officeDocument/2006/relationships" xmlns:p="http://schemas.openxmlformats.org/presentationml/2006/main">
-  <p:cSld>
-    <p:spTree>
-      <p:nvGrpSpPr>
-        <p:cNvPr id="1" name=""/>
-        <p:cNvGrpSpPr/>
-        <p:nvPr/>
-      </p:nvGrpSpPr>
-      <p:grpSpPr>
-        <a:xfrm>
-          <a:off x="0" y="0"/>
-          <a:ext cx="0" cy="0"/>
-          <a:chOff x="0" y="0"/>
-          <a:chExt cx="0" cy="0"/>
-        </a:xfrm>
-      </p:grpSpPr>
-      <p:sp>
-        <p:nvSpPr>
-          <p:cNvPr id="2" name="Slide Image Placeholder 1"/>
-          <p:cNvSpPr>
-            <a:spLocks noGrp="1" noRot="1" noChangeAspect="1"/>
-          </p:cNvSpPr>
-          <p:nvPr>
-            <p:ph type="sldImg"/>
-          </p:nvPr>
-        </p:nvSpPr>
-        <p:spPr/>
-      </p:sp>
-      <p:sp>
-        <p:nvSpPr>
-          <p:cNvPr id="3" name="Notes Placeholder 2"/>
-          <p:cNvSpPr>
-            <a:spLocks noGrp="1"/>
-          </p:cNvSpPr>
-          <p:nvPr>
-            <p:ph type="body" idx="1"/>
-          </p:nvPr>
-        </p:nvSpPr>
-        <p:spPr/>
-        <p:txBody>
-          <a:bodyPr/>
-          <a:lstStyle/>
-          <a:p>
-            <a:endParaRPr lang="en-US" dirty="0"/>
-          </a:p>
-        </p:txBody>
-      </p:sp>
-      <p:sp>
-        <p:nvSpPr>
-          <p:cNvPr id="4" name="Slide Number Placeholder 3"/>
-          <p:cNvSpPr>
-            <a:spLocks noGrp="1"/>
-          </p:cNvSpPr>
-          <p:nvPr>
-            <p:ph type="sldNum" sz="quarter" idx="5"/>
-          </p:nvPr>
-        </p:nvSpPr>
-        <p:spPr/>
-        <p:txBody>
-          <a:bodyPr/>
-          <a:lstStyle/>
-          <a:p>
-            <a:fld id="{6529D11D-5857-48CF-ABB8-89B8AC9FD03C}" type="slidenum">
-              <a:rPr lang="en-US" smtClean="0"/>
-              <a:pPr/>
-              <a:t>12</a:t>
-            </a:fld>
-            <a:endParaRPr lang="en-US"/>
-          </a:p>
-        </p:txBody>
-      </p:sp>
-    </p:spTree>
-    <p:extLst>
-      <p:ext uri="{BB962C8B-B14F-4D97-AF65-F5344CB8AC3E}">
-        <p14:creationId xmlns:p14="http://schemas.microsoft.com/office/powerpoint/2010/main" val="923547522"/>
-      </p:ext>
-    </p:extLst>
-  </p:cSld>
-  <p:clrMapOvr>
-    <a:masterClrMapping/>
-  </p:clrMapOvr>
-</p:notes>
 </file>
 
 <file path=ppt/slideLayouts/slideLayout1.xml><?xml version="1.0" encoding="utf-8"?>
@@ -4358,7 +4184,7 @@
         </p:spPr>
         <p:txBody>
           <a:bodyPr>
-            <a:normAutofit fontScale="85000" lnSpcReduction="20000"/>
+            <a:normAutofit/>
           </a:bodyPr>
           <a:lstStyle/>
           <a:p>
@@ -4398,56 +4224,13 @@
             <a:pPr lvl="1"/>
             <a:r>
               <a:rPr lang="en-US" dirty="0"/>
-              <a:t>how many tags right</a:t>
-            </a:r>
-          </a:p>
-          <a:p>
-            <a:r>
-              <a:rPr lang="en-US" dirty="0"/>
-              <a:t>Results</a:t>
-            </a:r>
-          </a:p>
-          <a:p>
-            <a:pPr lvl="1"/>
-            <a:r>
-              <a:rPr lang="en-US" dirty="0"/>
-              <a:t>Baseline is very high – 90% for English</a:t>
-            </a:r>
-          </a:p>
-          <a:p>
-            <a:pPr lvl="1"/>
-            <a:r>
-              <a:rPr lang="en-US" dirty="0"/>
-              <a:t>Trigram HMM about 95% total accuracy, 55% on unknown words</a:t>
-            </a:r>
-          </a:p>
-          <a:p>
-            <a:pPr lvl="1"/>
-            <a:r>
-              <a:rPr lang="en-US" dirty="0"/>
-              <a:t>Highest accuracy around 97% on PTB trained on 800,000 words</a:t>
-            </a:r>
-          </a:p>
-          <a:p>
-            <a:pPr lvl="2"/>
-            <a:r>
-              <a:rPr lang="en-US" dirty="0"/>
-              <a:t>(50-85% on unknown words; 50% for trigrams)</a:t>
-            </a:r>
-          </a:p>
-          <a:p>
-            <a:pPr lvl="1"/>
-            <a:r>
-              <a:rPr lang="en-US" dirty="0"/>
-              <a:t>Upper bound 97-98% </a:t>
-            </a:r>
-          </a:p>
-          <a:p>
-            <a:pPr lvl="2"/>
-            <a:r>
-              <a:rPr lang="en-US" dirty="0"/>
-              <a:t>noise (e.g., errors and inconsistencies in the data, e.g., NN vs JJ)</a:t>
-            </a:r>
+              <a:t>how many tags </a:t>
+            </a:r>
+            <a:r>
+              <a:rPr lang="en-US" dirty="0" smtClean="0"/>
+              <a:t>right</a:t>
+            </a:r>
+            <a:endParaRPr lang="en-US" dirty="0"/>
           </a:p>
         </p:txBody>
       </p:sp>
@@ -4461,6 +4244,13 @@
   <p:clrMapOvr>
     <a:masterClrMapping/>
   </p:clrMapOvr>
+  <p:timing>
+    <p:tnLst>
+      <p:par>
+        <p:cTn id="1" dur="indefinite" restart="never" nodeType="tmRoot"/>
+      </p:par>
+    </p:tnLst>
+  </p:timing>
 </p:sld>
 </file>
 
@@ -4497,9 +4287,10 @@
           <a:lstStyle/>
           <a:p>
             <a:r>
-              <a:rPr lang="en-US" dirty="0"/>
-              <a:t>Notes on POS</a:t>
-            </a:r>
+              <a:rPr lang="en-US" dirty="0" smtClean="0"/>
+              <a:t>HMM POS Results</a:t>
+            </a:r>
+            <a:endParaRPr lang="en-US" dirty="0"/>
           </a:p>
         </p:txBody>
       </p:sp>
@@ -4513,83 +4304,59 @@
             <p:ph idx="1"/>
           </p:nvPr>
         </p:nvSpPr>
-        <p:spPr>
-          <a:xfrm>
-            <a:off x="457200" y="1094314"/>
-            <a:ext cx="8229600" cy="3508371"/>
-          </a:xfrm>
-        </p:spPr>
+        <p:spPr/>
         <p:txBody>
-          <a:bodyPr>
-            <a:noAutofit/>
-          </a:bodyPr>
+          <a:bodyPr/>
           <a:lstStyle/>
           <a:p>
             <a:r>
-              <a:rPr lang="en-US" sz="2400" dirty="0"/>
-              <a:t>New domains</a:t>
-            </a:r>
-          </a:p>
-          <a:p>
-            <a:pPr lvl="1"/>
-            <a:r>
-              <a:rPr lang="en-US" dirty="0"/>
-              <a:t>Lower performance</a:t>
-            </a:r>
-          </a:p>
-          <a:p>
-            <a:r>
-              <a:rPr lang="en-US" sz="2400" dirty="0"/>
-              <a:t>New languages</a:t>
-            </a:r>
-          </a:p>
-          <a:p>
-            <a:pPr lvl="1"/>
-            <a:r>
-              <a:rPr lang="en-US" dirty="0"/>
-              <a:t>Morphology matters! Also availability of training data</a:t>
-            </a:r>
-          </a:p>
-          <a:p>
-            <a:r>
-              <a:rPr lang="en-US" sz="2400" dirty="0"/>
-              <a:t>Distributional clustering</a:t>
-            </a:r>
-          </a:p>
-          <a:p>
-            <a:pPr lvl="1"/>
-            <a:r>
-              <a:rPr lang="en-US" dirty="0"/>
-              <a:t>Combine statistics about semantically related words</a:t>
-            </a:r>
-          </a:p>
-          <a:p>
-            <a:pPr lvl="1"/>
-            <a:r>
-              <a:rPr lang="en-US" dirty="0"/>
-              <a:t>Example: names of companies</a:t>
-            </a:r>
-          </a:p>
-          <a:p>
-            <a:pPr lvl="1"/>
-            <a:r>
-              <a:rPr lang="en-US" dirty="0"/>
-              <a:t>Example: days of the week</a:t>
-            </a:r>
-          </a:p>
-          <a:p>
-            <a:pPr lvl="1"/>
-            <a:r>
-              <a:rPr lang="en-US" dirty="0"/>
-              <a:t>Example: animals</a:t>
-            </a:r>
+              <a:rPr lang="en-US" dirty="0" smtClean="0"/>
+              <a:t>Assigning each word its most likely tag: 90%</a:t>
+            </a:r>
+          </a:p>
+          <a:p>
+            <a:r>
+              <a:rPr lang="en-US" dirty="0" smtClean="0"/>
+              <a:t>Trigram HMM: 95% (55% on unknown words)</a:t>
+            </a:r>
+          </a:p>
+          <a:p>
+            <a:r>
+              <a:rPr lang="en-US" dirty="0" smtClean="0"/>
+              <a:t>Tuned HMM (</a:t>
+            </a:r>
+            <a:r>
+              <a:rPr lang="en-US" dirty="0" err="1" smtClean="0"/>
+              <a:t>Brants</a:t>
+            </a:r>
+            <a:r>
+              <a:rPr lang="en-US" dirty="0" smtClean="0"/>
+              <a:t> 1998): 96.2% (86.0%)</a:t>
+            </a:r>
+          </a:p>
+          <a:p>
+            <a:r>
+              <a:rPr lang="en-US" dirty="0" smtClean="0"/>
+              <a:t>SOTA (Bi-LSTM CRF): 97.5% (89+%)</a:t>
+            </a:r>
+          </a:p>
+          <a:p>
+            <a:r>
+              <a:rPr lang="en-US" dirty="0" smtClean="0"/>
+              <a:t>Numbers thanks to Dan Klein and Greg </a:t>
+            </a:r>
+            <a:r>
+              <a:rPr lang="en-US" dirty="0" err="1" smtClean="0"/>
+              <a:t>Durrett</a:t>
+            </a:r>
+            <a:endParaRPr lang="en-US" dirty="0" smtClean="0"/>
           </a:p>
         </p:txBody>
       </p:sp>
     </p:spTree>
     <p:extLst>
       <p:ext uri="{BB962C8B-B14F-4D97-AF65-F5344CB8AC3E}">
-        <p14:creationId xmlns:p14="http://schemas.microsoft.com/office/powerpoint/2010/main" val="3390319575"/>
+        <p14:creationId xmlns:p14="http://schemas.microsoft.com/office/powerpoint/2010/main" val="1305957043"/>
       </p:ext>
     </p:extLst>
   </p:cSld>
@@ -4632,9 +4399,10 @@
           <a:lstStyle/>
           <a:p>
             <a:r>
-              <a:rPr lang="en-US" dirty="0"/>
-              <a:t>Notes on POS</a:t>
-            </a:r>
+              <a:rPr lang="en-US" dirty="0" smtClean="0"/>
+              <a:t>Remaining Errors</a:t>
+            </a:r>
+            <a:endParaRPr lang="en-US" dirty="0"/>
           </a:p>
         </p:txBody>
       </p:sp>
@@ -4650,111 +4418,81 @@
         </p:nvSpPr>
         <p:spPr>
           <a:xfrm>
-            <a:off x="457200" y="1216241"/>
-            <a:ext cx="8229600" cy="3480046"/>
+            <a:off x="254000" y="1561753"/>
+            <a:ext cx="8432800" cy="2702991"/>
           </a:xfrm>
         </p:spPr>
         <p:txBody>
           <a:bodyPr>
-            <a:normAutofit lnSpcReduction="10000"/>
+            <a:normAutofit fontScale="92500"/>
           </a:bodyPr>
           <a:lstStyle/>
           <a:p>
             <a:r>
-              <a:rPr lang="en-US" sz="2800" dirty="0"/>
-              <a:t>British National Corpus</a:t>
-            </a:r>
-          </a:p>
-          <a:p>
-            <a:pPr lvl="1"/>
-            <a:r>
-              <a:rPr lang="en-US" sz="2400" dirty="0">
-                <a:hlinkClick r:id="rId3"/>
-              </a:rPr>
-              <a:t>http://www.natcorp.ox.ac.uk/</a:t>
-            </a:r>
-            <a:endParaRPr lang="en-US" sz="2400" dirty="0"/>
-          </a:p>
-          <a:p>
-            <a:r>
-              <a:rPr lang="en-US" sz="2800" dirty="0" err="1"/>
-              <a:t>Tagset</a:t>
-            </a:r>
-            <a:r>
-              <a:rPr lang="en-US" sz="2800" dirty="0"/>
-              <a:t> sizes</a:t>
-            </a:r>
-          </a:p>
-          <a:p>
-            <a:pPr lvl="1"/>
-            <a:r>
-              <a:rPr lang="en-US" sz="2400" dirty="0"/>
-              <a:t>PTB 45, Brown 85, Universal 12, Twitter 25</a:t>
-            </a:r>
-          </a:p>
-          <a:p>
-            <a:r>
-              <a:rPr lang="en-US" sz="2800" dirty="0"/>
-              <a:t>Dealing with unknown words</a:t>
-            </a:r>
-          </a:p>
-          <a:p>
-            <a:pPr lvl="1"/>
-            <a:r>
-              <a:rPr lang="en-US" sz="2400" dirty="0"/>
-              <a:t>Look at features like </a:t>
-            </a:r>
-            <a:r>
-              <a:rPr lang="en-US" sz="2400" dirty="0" err="1"/>
-              <a:t>twoDigitNum</a:t>
-            </a:r>
-            <a:r>
-              <a:rPr lang="en-US" sz="2400" dirty="0"/>
-              <a:t>, </a:t>
-            </a:r>
-            <a:r>
-              <a:rPr lang="en-US" sz="2400" dirty="0" err="1"/>
-              <a:t>allCaps</a:t>
-            </a:r>
-            <a:r>
-              <a:rPr lang="en-US" sz="2400" dirty="0"/>
-              <a:t>, </a:t>
-            </a:r>
-            <a:r>
-              <a:rPr lang="en-US" sz="2400" dirty="0" err="1"/>
-              <a:t>initCaps</a:t>
-            </a:r>
-            <a:r>
-              <a:rPr lang="en-US" sz="2400" dirty="0"/>
-              <a:t>, </a:t>
-            </a:r>
-            <a:r>
-              <a:rPr lang="en-US" sz="2400" dirty="0" err="1"/>
-              <a:t>containsDigitAndSlash</a:t>
-            </a:r>
-            <a:r>
-              <a:rPr lang="en-US" sz="2400" dirty="0"/>
-              <a:t> (</a:t>
-            </a:r>
-            <a:r>
-              <a:rPr lang="en-US" sz="2400" dirty="0" err="1"/>
-              <a:t>Bikel</a:t>
-            </a:r>
-            <a:r>
-              <a:rPr lang="en-US" sz="2400" dirty="0"/>
-              <a:t>  et al. 1999)</a:t>
-            </a:r>
-          </a:p>
-          <a:p>
-            <a:pPr lvl="1"/>
-            <a:endParaRPr lang="en-US" sz="2400" dirty="0"/>
+              <a:rPr lang="en-US" dirty="0" smtClean="0"/>
+              <a:t>Words not seen with that tag in training: 4.5%</a:t>
+            </a:r>
+          </a:p>
+          <a:p>
+            <a:r>
+              <a:rPr lang="en-US" dirty="0" smtClean="0"/>
+              <a:t>Unknown word: 4.5%</a:t>
+            </a:r>
+          </a:p>
+          <a:p>
+            <a:r>
+              <a:rPr lang="en-US" dirty="0" smtClean="0"/>
+              <a:t>Could get right: 16% (needs parsing)</a:t>
+            </a:r>
+          </a:p>
+          <a:p>
+            <a:r>
+              <a:rPr lang="en-US" dirty="0" smtClean="0"/>
+              <a:t>Difficult decision: 20% (“set” = VBP or VBD?)</a:t>
+            </a:r>
+          </a:p>
+          <a:p>
+            <a:r>
+              <a:rPr lang="en-US" dirty="0" smtClean="0"/>
+              <a:t>Underspecified/unclear, gold standard inconsistent/wrong: 58% (e.g., is “discontinued” JJ or VBN)</a:t>
+            </a:r>
+          </a:p>
+        </p:txBody>
+      </p:sp>
+      <p:sp>
+        <p:nvSpPr>
+          <p:cNvPr id="5" name="TextBox 4"/>
+          <p:cNvSpPr txBox="1"/>
+          <p:nvPr/>
+        </p:nvSpPr>
+        <p:spPr>
+          <a:xfrm>
+            <a:off x="6238240" y="4521200"/>
+            <a:ext cx="1682897" cy="369332"/>
+          </a:xfrm>
+          <a:prstGeom prst="rect">
+            <a:avLst/>
+          </a:prstGeom>
+          <a:noFill/>
+        </p:spPr>
+        <p:txBody>
+          <a:bodyPr wrap="none" rtlCol="0">
+            <a:spAutoFit/>
+          </a:bodyPr>
+          <a:lstStyle/>
+          <a:p>
+            <a:r>
+              <a:rPr lang="en-US" dirty="0" smtClean="0"/>
+              <a:t>[Manning 2011]</a:t>
+            </a:r>
+            <a:endParaRPr lang="en-US" dirty="0"/>
           </a:p>
         </p:txBody>
       </p:sp>
     </p:spTree>
     <p:extLst>
       <p:ext uri="{BB962C8B-B14F-4D97-AF65-F5344CB8AC3E}">
-        <p14:creationId xmlns:p14="http://schemas.microsoft.com/office/powerpoint/2010/main" val="3874211994"/>
+        <p14:creationId xmlns:p14="http://schemas.microsoft.com/office/powerpoint/2010/main" val="1539374096"/>
       </p:ext>
     </p:extLst>
   </p:cSld>
@@ -4798,7 +4536,7 @@
           <a:p>
             <a:r>
               <a:rPr lang="en-US" dirty="0"/>
-              <a:t>Brown Clustering</a:t>
+              <a:t>Notes on POS</a:t>
             </a:r>
           </a:p>
         </p:txBody>
@@ -4813,7 +4551,12 @@
             <p:ph idx="1"/>
           </p:nvPr>
         </p:nvSpPr>
-        <p:spPr/>
+        <p:spPr>
+          <a:xfrm>
+            <a:off x="457200" y="1094314"/>
+            <a:ext cx="8229600" cy="3508371"/>
+          </a:xfrm>
+        </p:spPr>
         <p:txBody>
           <a:bodyPr>
             <a:noAutofit/>
@@ -4821,20 +4564,62 @@
           <a:lstStyle/>
           <a:p>
             <a:r>
-              <a:rPr lang="en-US" sz="2800" dirty="0"/>
-              <a:t>Words with similar vector representations are clustered together, in an agglomerative (recursive) way</a:t>
-            </a:r>
-          </a:p>
-          <a:p>
-            <a:r>
-              <a:rPr lang="en-US" sz="2800" dirty="0"/>
-              <a:t>For example, “Monday”, “Tuesday”, etc. may form a new vector “Day of the week”</a:t>
-            </a:r>
-          </a:p>
-          <a:p>
-            <a:r>
-              <a:rPr lang="en-US" sz="2800" dirty="0"/>
-              <a:t>Published by Brown et al. [1992]</a:t>
+              <a:rPr lang="en-US" sz="2400" dirty="0"/>
+              <a:t>New domains</a:t>
+            </a:r>
+          </a:p>
+          <a:p>
+            <a:pPr lvl="1"/>
+            <a:r>
+              <a:rPr lang="en-US" dirty="0"/>
+              <a:t>Lower performance</a:t>
+            </a:r>
+          </a:p>
+          <a:p>
+            <a:r>
+              <a:rPr lang="en-US" sz="2400" dirty="0"/>
+              <a:t>New languages</a:t>
+            </a:r>
+          </a:p>
+          <a:p>
+            <a:pPr lvl="1"/>
+            <a:r>
+              <a:rPr lang="en-US" dirty="0"/>
+              <a:t>Morphology matters! Also availability of training data</a:t>
+            </a:r>
+          </a:p>
+          <a:p>
+            <a:r>
+              <a:rPr lang="en-US" sz="2400" dirty="0"/>
+              <a:t>Distributional clustering</a:t>
+            </a:r>
+          </a:p>
+          <a:p>
+            <a:pPr lvl="1"/>
+            <a:r>
+              <a:rPr lang="en-US" dirty="0"/>
+              <a:t>Combine statistics about semantically related words</a:t>
+            </a:r>
+          </a:p>
+          <a:p>
+            <a:pPr lvl="1"/>
+            <a:r>
+              <a:rPr lang="en-US" dirty="0"/>
+              <a:t>Example: names of companies</a:t>
+            </a:r>
+          </a:p>
+          <a:p>
+            <a:pPr lvl="1"/>
+            <a:r>
+              <a:rPr lang="en-US" dirty="0"/>
+              <a:t>Example: days of the week</a:t>
+            </a:r>
+          </a:p>
+          <a:p>
+            <a:pPr lvl="1"/>
+            <a:r>
+              <a:rPr lang="en-US" dirty="0"/>
+              <a:t>Example: animals</a:t>
             </a:r>
           </a:p>
         </p:txBody>
@@ -4842,13 +4627,20 @@
     </p:spTree>
     <p:extLst>
       <p:ext uri="{BB962C8B-B14F-4D97-AF65-F5344CB8AC3E}">
-        <p14:creationId xmlns:p14="http://schemas.microsoft.com/office/powerpoint/2010/main" val="2029492889"/>
+        <p14:creationId xmlns:p14="http://schemas.microsoft.com/office/powerpoint/2010/main" val="1010546815"/>
       </p:ext>
     </p:extLst>
   </p:cSld>
   <p:clrMapOvr>
     <a:masterClrMapping/>
   </p:clrMapOvr>
+  <p:timing>
+    <p:tnLst>
+      <p:par>
+        <p:cTn id="1" dur="indefinite" restart="never" nodeType="tmRoot"/>
+      </p:par>
+    </p:tnLst>
+  </p:timing>
 </p:sld>
 </file>
 
@@ -4886,125 +4678,43 @@
           <a:p>
             <a:r>
               <a:rPr lang="en-US" dirty="0"/>
-              <a:t>Example</a:t>
+              <a:t>Brown Clustering</a:t>
             </a:r>
           </a:p>
         </p:txBody>
       </p:sp>
       <p:sp>
         <p:nvSpPr>
-          <p:cNvPr id="4" name="Rectangle 3"/>
-          <p:cNvSpPr/>
-          <p:nvPr/>
+          <p:cNvPr id="3" name="Content Placeholder 2"/>
+          <p:cNvSpPr>
+            <a:spLocks noGrp="1"/>
+          </p:cNvSpPr>
+          <p:nvPr>
+            <p:ph idx="1"/>
+          </p:nvPr>
         </p:nvSpPr>
-        <p:spPr>
-          <a:xfrm>
-            <a:off x="308186" y="1090078"/>
-            <a:ext cx="8613775" cy="3693319"/>
-          </a:xfrm>
-          <a:prstGeom prst="rect">
-            <a:avLst/>
-          </a:prstGeom>
-          <a:ln>
-            <a:solidFill>
-              <a:schemeClr val="tx1"/>
-            </a:solidFill>
-          </a:ln>
-        </p:spPr>
+        <p:spPr/>
         <p:txBody>
-          <a:bodyPr wrap="square">
-            <a:spAutoFit/>
+          <a:bodyPr>
+            <a:noAutofit/>
           </a:bodyPr>
           <a:lstStyle/>
           <a:p>
             <a:r>
-              <a:rPr lang="en-US" dirty="0"/>
-              <a:t>Friday Monday Thursday Wednesday Tuesday Saturday Sunday weekends Sundays</a:t>
-            </a:r>
-          </a:p>
-          <a:p>
-            <a:r>
-              <a:rPr lang="en-US" dirty="0"/>
-              <a:t>people guys folks fellows CEOs chaps doubters commies unfortunates blokes</a:t>
-            </a:r>
-          </a:p>
-          <a:p>
-            <a:r>
-              <a:rPr lang="en-US" dirty="0"/>
-              <a:t>down backwards ashore sideways southward northward overboard aloft downwards adrift</a:t>
-            </a:r>
-          </a:p>
-          <a:p>
-            <a:r>
-              <a:rPr lang="en-US" dirty="0"/>
-              <a:t>water gas coal liquid acid sand carbon steam shale iron</a:t>
-            </a:r>
-          </a:p>
-          <a:p>
-            <a:r>
-              <a:rPr lang="en-US" dirty="0"/>
-              <a:t>great big vast sudden mere sheer gigantic lifelong scant colossal</a:t>
-            </a:r>
-          </a:p>
-          <a:p>
-            <a:r>
-              <a:rPr lang="en-US" dirty="0"/>
-              <a:t>American Indian European Japanese German African Catholic Israeli Italian Arab</a:t>
-            </a:r>
-          </a:p>
-          <a:p>
-            <a:r>
-              <a:rPr lang="en-US" dirty="0"/>
-              <a:t>mother wife father son husband brother daughter sister boss uncle</a:t>
-            </a:r>
-          </a:p>
-          <a:p>
-            <a:r>
-              <a:rPr lang="en-US" dirty="0"/>
-              <a:t>machine device controller processor CPU printer spindle subsystem compiler plotter</a:t>
-            </a:r>
-          </a:p>
-          <a:p>
-            <a:r>
-              <a:rPr lang="en-US" dirty="0"/>
-              <a:t>John George James Bob Robert Paul William Jim David Mike</a:t>
-            </a:r>
-          </a:p>
-          <a:p>
-            <a:r>
-              <a:rPr lang="en-US" dirty="0"/>
-              <a:t>feet miles pounds degrees inches barrels tons acres meters bytes</a:t>
-            </a:r>
-          </a:p>
-          <a:p>
-            <a:r>
-              <a:rPr lang="en-US" dirty="0"/>
-              <a:t>had hadn't hath would've could've should've must've might've</a:t>
-            </a:r>
-          </a:p>
-          <a:p>
-            <a:r>
-              <a:rPr lang="en-US" dirty="0"/>
-              <a:t>that </a:t>
-            </a:r>
-            <a:r>
-              <a:rPr lang="en-US" dirty="0" err="1"/>
-              <a:t>tha</a:t>
-            </a:r>
-            <a:r>
-              <a:rPr lang="en-US" dirty="0"/>
-              <a:t> </a:t>
-            </a:r>
-            <a:r>
-              <a:rPr lang="en-US" dirty="0" err="1"/>
-              <a:t>theat</a:t>
-            </a:r>
-            <a:endParaRPr lang="en-US" dirty="0"/>
-          </a:p>
-          <a:p>
-            <a:r>
-              <a:rPr lang="en-US" dirty="0"/>
-              <a:t>head body hands eyes voice arm seat eye hair mouth</a:t>
+              <a:rPr lang="en-US" sz="2800" dirty="0"/>
+              <a:t>Words with similar vector representations are clustered together, in an agglomerative (recursive) way</a:t>
+            </a:r>
+          </a:p>
+          <a:p>
+            <a:r>
+              <a:rPr lang="en-US" sz="2800" dirty="0"/>
+              <a:t>For example, “Monday”, “Tuesday”, etc. may form a new vector “Day of the week”</a:t>
+            </a:r>
+          </a:p>
+          <a:p>
+            <a:r>
+              <a:rPr lang="en-US" sz="2800" dirty="0"/>
+              <a:t>Published by Brown et al. [1992]</a:t>
             </a:r>
           </a:p>
         </p:txBody>
@@ -5012,13 +4722,20 @@
     </p:spTree>
     <p:extLst>
       <p:ext uri="{BB962C8B-B14F-4D97-AF65-F5344CB8AC3E}">
-        <p14:creationId xmlns:p14="http://schemas.microsoft.com/office/powerpoint/2010/main" val="3917000185"/>
+        <p14:creationId xmlns:p14="http://schemas.microsoft.com/office/powerpoint/2010/main" val="575334236"/>
       </p:ext>
     </p:extLst>
   </p:cSld>
   <p:clrMapOvr>
     <a:masterClrMapping/>
   </p:clrMapOvr>
+  <p:timing>
+    <p:tnLst>
+      <p:par>
+        <p:cTn id="1" dur="indefinite" restart="never" nodeType="tmRoot"/>
+      </p:par>
+    </p:tnLst>
+  </p:timing>
 </p:sld>
 </file>
 
@@ -5063,6 +4780,183 @@
       </p:sp>
       <p:sp>
         <p:nvSpPr>
+          <p:cNvPr id="4" name="Rectangle 3"/>
+          <p:cNvSpPr/>
+          <p:nvPr/>
+        </p:nvSpPr>
+        <p:spPr>
+          <a:xfrm>
+            <a:off x="308186" y="1090078"/>
+            <a:ext cx="8613775" cy="3693319"/>
+          </a:xfrm>
+          <a:prstGeom prst="rect">
+            <a:avLst/>
+          </a:prstGeom>
+          <a:ln>
+            <a:solidFill>
+              <a:schemeClr val="tx1"/>
+            </a:solidFill>
+          </a:ln>
+        </p:spPr>
+        <p:txBody>
+          <a:bodyPr wrap="square">
+            <a:spAutoFit/>
+          </a:bodyPr>
+          <a:lstStyle/>
+          <a:p>
+            <a:r>
+              <a:rPr lang="en-US" dirty="0"/>
+              <a:t>Friday Monday Thursday Wednesday Tuesday Saturday Sunday weekends Sundays</a:t>
+            </a:r>
+          </a:p>
+          <a:p>
+            <a:r>
+              <a:rPr lang="en-US" dirty="0"/>
+              <a:t>people guys folks fellows CEOs chaps doubters commies unfortunates blokes</a:t>
+            </a:r>
+          </a:p>
+          <a:p>
+            <a:r>
+              <a:rPr lang="en-US" dirty="0"/>
+              <a:t>down backwards ashore sideways southward northward overboard aloft downwards adrift</a:t>
+            </a:r>
+          </a:p>
+          <a:p>
+            <a:r>
+              <a:rPr lang="en-US" dirty="0"/>
+              <a:t>water gas coal liquid acid sand carbon steam shale iron</a:t>
+            </a:r>
+          </a:p>
+          <a:p>
+            <a:r>
+              <a:rPr lang="en-US" dirty="0"/>
+              <a:t>great big vast sudden mere sheer gigantic lifelong scant colossal</a:t>
+            </a:r>
+          </a:p>
+          <a:p>
+            <a:r>
+              <a:rPr lang="en-US" dirty="0"/>
+              <a:t>American Indian European Japanese German African Catholic Israeli Italian Arab</a:t>
+            </a:r>
+          </a:p>
+          <a:p>
+            <a:r>
+              <a:rPr lang="en-US" dirty="0"/>
+              <a:t>mother wife father son husband brother daughter sister boss uncle</a:t>
+            </a:r>
+          </a:p>
+          <a:p>
+            <a:r>
+              <a:rPr lang="en-US" dirty="0"/>
+              <a:t>machine device controller processor CPU printer spindle subsystem compiler plotter</a:t>
+            </a:r>
+          </a:p>
+          <a:p>
+            <a:r>
+              <a:rPr lang="en-US" dirty="0"/>
+              <a:t>John George James Bob Robert Paul William Jim David Mike</a:t>
+            </a:r>
+          </a:p>
+          <a:p>
+            <a:r>
+              <a:rPr lang="en-US" dirty="0"/>
+              <a:t>feet miles pounds degrees inches barrels tons acres meters bytes</a:t>
+            </a:r>
+          </a:p>
+          <a:p>
+            <a:r>
+              <a:rPr lang="en-US" dirty="0"/>
+              <a:t>had hadn't hath would've could've should've must've might've</a:t>
+            </a:r>
+          </a:p>
+          <a:p>
+            <a:r>
+              <a:rPr lang="en-US" dirty="0"/>
+              <a:t>that </a:t>
+            </a:r>
+            <a:r>
+              <a:rPr lang="en-US" dirty="0" err="1"/>
+              <a:t>tha</a:t>
+            </a:r>
+            <a:r>
+              <a:rPr lang="en-US" dirty="0"/>
+              <a:t> </a:t>
+            </a:r>
+            <a:r>
+              <a:rPr lang="en-US" dirty="0" err="1"/>
+              <a:t>theat</a:t>
+            </a:r>
+            <a:endParaRPr lang="en-US" dirty="0"/>
+          </a:p>
+          <a:p>
+            <a:r>
+              <a:rPr lang="en-US" dirty="0"/>
+              <a:t>head body hands eyes voice arm seat eye hair mouth</a:t>
+            </a:r>
+          </a:p>
+        </p:txBody>
+      </p:sp>
+    </p:spTree>
+    <p:extLst>
+      <p:ext uri="{BB962C8B-B14F-4D97-AF65-F5344CB8AC3E}">
+        <p14:creationId xmlns:p14="http://schemas.microsoft.com/office/powerpoint/2010/main" val="3428725675"/>
+      </p:ext>
+    </p:extLst>
+  </p:cSld>
+  <p:clrMapOvr>
+    <a:masterClrMapping/>
+  </p:clrMapOvr>
+  <p:timing>
+    <p:tnLst>
+      <p:par>
+        <p:cTn id="1" dur="indefinite" restart="never" nodeType="tmRoot"/>
+      </p:par>
+    </p:tnLst>
+  </p:timing>
+</p:sld>
+</file>
+
+<file path=ppt/slides/slide16.xml><?xml version="1.0" encoding="utf-8"?>
+<p:sld xmlns:a="http://schemas.openxmlformats.org/drawingml/2006/main" xmlns:r="http://schemas.openxmlformats.org/officeDocument/2006/relationships" xmlns:p="http://schemas.openxmlformats.org/presentationml/2006/main">
+  <p:cSld>
+    <p:spTree>
+      <p:nvGrpSpPr>
+        <p:cNvPr id="1" name=""/>
+        <p:cNvGrpSpPr/>
+        <p:nvPr/>
+      </p:nvGrpSpPr>
+      <p:grpSpPr>
+        <a:xfrm>
+          <a:off x="0" y="0"/>
+          <a:ext cx="0" cy="0"/>
+          <a:chOff x="0" y="0"/>
+          <a:chExt cx="0" cy="0"/>
+        </a:xfrm>
+      </p:grpSpPr>
+      <p:sp>
+        <p:nvSpPr>
+          <p:cNvPr id="2" name="Title 1"/>
+          <p:cNvSpPr>
+            <a:spLocks noGrp="1"/>
+          </p:cNvSpPr>
+          <p:nvPr>
+            <p:ph type="title"/>
+          </p:nvPr>
+        </p:nvSpPr>
+        <p:spPr/>
+        <p:txBody>
+          <a:bodyPr/>
+          <a:lstStyle/>
+          <a:p>
+            <a:r>
+              <a:rPr lang="en-US" dirty="0"/>
+              <a:t>Example</a:t>
+            </a:r>
+          </a:p>
+        </p:txBody>
+      </p:sp>
+      <p:sp>
+        <p:nvSpPr>
           <p:cNvPr id="3" name="Content Placeholder 2"/>
           <p:cNvSpPr>
             <a:spLocks noGrp="1"/>
@@ -5073,8 +4967,8 @@
         </p:nvSpPr>
         <p:spPr>
           <a:xfrm>
-            <a:off x="457200" y="1213274"/>
-            <a:ext cx="8229600" cy="3305175"/>
+            <a:off x="254000" y="1213274"/>
+            <a:ext cx="8432800" cy="3305175"/>
           </a:xfrm>
         </p:spPr>
         <p:txBody>
@@ -5179,17 +5073,24 @@
     </p:spTree>
     <p:extLst>
       <p:ext uri="{BB962C8B-B14F-4D97-AF65-F5344CB8AC3E}">
-        <p14:creationId xmlns:p14="http://schemas.microsoft.com/office/powerpoint/2010/main" val="3672580503"/>
+        <p14:creationId xmlns:p14="http://schemas.microsoft.com/office/powerpoint/2010/main" val="1140195583"/>
       </p:ext>
     </p:extLst>
   </p:cSld>
   <p:clrMapOvr>
     <a:masterClrMapping/>
   </p:clrMapOvr>
+  <p:timing>
+    <p:tnLst>
+      <p:par>
+        <p:cTn id="1" dur="indefinite" restart="never" nodeType="tmRoot"/>
+      </p:par>
+    </p:tnLst>
+  </p:timing>
 </p:sld>
 </file>
 
-<file path=ppt/slides/slide16.xml><?xml version="1.0" encoding="utf-8"?>
+<file path=ppt/slides/slide17.xml><?xml version="1.0" encoding="utf-8"?>
 <p:sld xmlns:a="http://schemas.openxmlformats.org/drawingml/2006/main" xmlns:r="http://schemas.openxmlformats.org/officeDocument/2006/relationships" xmlns:p="http://schemas.openxmlformats.org/presentationml/2006/main">
   <p:cSld>
     <p:spTree>
@@ -5565,17 +5466,201 @@
     </p:spTree>
     <p:extLst>
       <p:ext uri="{BB962C8B-B14F-4D97-AF65-F5344CB8AC3E}">
-        <p14:creationId xmlns:p14="http://schemas.microsoft.com/office/powerpoint/2010/main" val="2526840393"/>
+        <p14:creationId xmlns:p14="http://schemas.microsoft.com/office/powerpoint/2010/main" val="692973232"/>
       </p:ext>
     </p:extLst>
   </p:cSld>
   <p:clrMapOvr>
     <a:masterClrMapping/>
   </p:clrMapOvr>
+  <p:timing>
+    <p:tnLst>
+      <p:par>
+        <p:cTn id="1" dur="indefinite" restart="never" nodeType="tmRoot"/>
+      </p:par>
+    </p:tnLst>
+  </p:timing>
 </p:sld>
 </file>
 
-<file path=ppt/slides/slide17.xml><?xml version="1.0" encoding="utf-8"?>
+<file path=ppt/slides/slide18.xml><?xml version="1.0" encoding="utf-8"?>
+<p:sld xmlns:a="http://schemas.openxmlformats.org/drawingml/2006/main" xmlns:r="http://schemas.openxmlformats.org/officeDocument/2006/relationships" xmlns:p="http://schemas.openxmlformats.org/presentationml/2006/main">
+  <p:cSld>
+    <p:spTree>
+      <p:nvGrpSpPr>
+        <p:cNvPr id="1" name=""/>
+        <p:cNvGrpSpPr/>
+        <p:nvPr/>
+      </p:nvGrpSpPr>
+      <p:grpSpPr>
+        <a:xfrm>
+          <a:off x="0" y="0"/>
+          <a:ext cx="0" cy="0"/>
+          <a:chOff x="0" y="0"/>
+          <a:chExt cx="0" cy="0"/>
+        </a:xfrm>
+      </p:grpSpPr>
+      <p:sp>
+        <p:nvSpPr>
+          <p:cNvPr id="2" name="Title 1"/>
+          <p:cNvSpPr>
+            <a:spLocks noGrp="1"/>
+          </p:cNvSpPr>
+          <p:nvPr>
+            <p:ph type="title"/>
+          </p:nvPr>
+        </p:nvSpPr>
+        <p:spPr/>
+        <p:txBody>
+          <a:bodyPr/>
+          <a:lstStyle/>
+          <a:p>
+            <a:r>
+              <a:rPr lang="en-US" dirty="0"/>
+              <a:t>Notes on POS</a:t>
+            </a:r>
+          </a:p>
+        </p:txBody>
+      </p:sp>
+      <p:sp>
+        <p:nvSpPr>
+          <p:cNvPr id="3" name="Content Placeholder 2"/>
+          <p:cNvSpPr>
+            <a:spLocks noGrp="1"/>
+          </p:cNvSpPr>
+          <p:nvPr>
+            <p:ph idx="1"/>
+          </p:nvPr>
+        </p:nvSpPr>
+        <p:spPr>
+          <a:xfrm>
+            <a:off x="457200" y="1216241"/>
+            <a:ext cx="8229600" cy="3480046"/>
+          </a:xfrm>
+        </p:spPr>
+        <p:txBody>
+          <a:bodyPr>
+            <a:normAutofit/>
+          </a:bodyPr>
+          <a:lstStyle/>
+          <a:p>
+            <a:r>
+              <a:rPr lang="en-US" sz="2800" dirty="0"/>
+              <a:t>British National Corpus</a:t>
+            </a:r>
+          </a:p>
+          <a:p>
+            <a:pPr lvl="1"/>
+            <a:r>
+              <a:rPr lang="en-US" sz="2400" dirty="0">
+                <a:hlinkClick r:id="rId2"/>
+              </a:rPr>
+              <a:t>http://www.natcorp.ox.ac.uk/</a:t>
+            </a:r>
+            <a:endParaRPr lang="en-US" sz="2400" dirty="0"/>
+          </a:p>
+          <a:p>
+            <a:r>
+              <a:rPr lang="en-US" sz="2800" dirty="0" err="1"/>
+              <a:t>Tagset</a:t>
+            </a:r>
+            <a:r>
+              <a:rPr lang="en-US" sz="2800" dirty="0"/>
+              <a:t> sizes</a:t>
+            </a:r>
+          </a:p>
+          <a:p>
+            <a:pPr lvl="1"/>
+            <a:r>
+              <a:rPr lang="en-US" sz="2400" dirty="0"/>
+              <a:t>PTB 45, Brown 85, Universal 12, Twitter 25</a:t>
+            </a:r>
+          </a:p>
+          <a:p>
+            <a:r>
+              <a:rPr lang="en-US" sz="2800" dirty="0"/>
+              <a:t>Dealing with unknown words</a:t>
+            </a:r>
+          </a:p>
+          <a:p>
+            <a:pPr lvl="1"/>
+            <a:r>
+              <a:rPr lang="en-US" sz="2400" dirty="0"/>
+              <a:t>Look at features like </a:t>
+            </a:r>
+            <a:r>
+              <a:rPr lang="en-US" sz="2400" dirty="0" err="1"/>
+              <a:t>twoDigitNum</a:t>
+            </a:r>
+            <a:r>
+              <a:rPr lang="en-US" sz="2400" dirty="0"/>
+              <a:t>, </a:t>
+            </a:r>
+            <a:r>
+              <a:rPr lang="en-US" sz="2400" dirty="0" err="1"/>
+              <a:t>allCaps</a:t>
+            </a:r>
+            <a:r>
+              <a:rPr lang="en-US" sz="2400" dirty="0"/>
+              <a:t>, </a:t>
+            </a:r>
+            <a:r>
+              <a:rPr lang="en-US" sz="2400" dirty="0" err="1"/>
+              <a:t>initCaps</a:t>
+            </a:r>
+            <a:r>
+              <a:rPr lang="en-US" sz="2400" dirty="0"/>
+              <a:t>, </a:t>
+            </a:r>
+            <a:r>
+              <a:rPr lang="en-US" sz="2400" dirty="0" err="1"/>
+              <a:t>containsDigitAndSlash</a:t>
+            </a:r>
+            <a:r>
+              <a:rPr lang="en-US" sz="2400" dirty="0"/>
+              <a:t> (</a:t>
+            </a:r>
+            <a:r>
+              <a:rPr lang="en-US" sz="2400" dirty="0" err="1"/>
+              <a:t>Bikel</a:t>
+            </a:r>
+            <a:r>
+              <a:rPr lang="en-US" sz="2400" dirty="0"/>
+              <a:t>  et al. 1999</a:t>
+            </a:r>
+            <a:r>
+              <a:rPr lang="en-US" sz="2400" dirty="0" smtClean="0"/>
+              <a:t>)</a:t>
+            </a:r>
+            <a:endParaRPr lang="en-US" sz="2400" dirty="0"/>
+          </a:p>
+          <a:p>
+            <a:pPr lvl="1"/>
+            <a:endParaRPr lang="en-US" sz="2400" dirty="0"/>
+          </a:p>
+        </p:txBody>
+      </p:sp>
+    </p:spTree>
+    <p:extLst>
+      <p:ext uri="{BB962C8B-B14F-4D97-AF65-F5344CB8AC3E}">
+        <p14:creationId xmlns:p14="http://schemas.microsoft.com/office/powerpoint/2010/main" val="3522116858"/>
+      </p:ext>
+    </p:extLst>
+  </p:cSld>
+  <p:clrMapOvr>
+    <a:masterClrMapping/>
+  </p:clrMapOvr>
+  <p:timing>
+    <p:tnLst>
+      <p:par>
+        <p:cTn id="1" dur="indefinite" restart="never" nodeType="tmRoot"/>
+      </p:par>
+    </p:tnLst>
+  </p:timing>
+</p:sld>
+</file>
+
+<file path=ppt/slides/slide19.xml><?xml version="1.0" encoding="utf-8"?>
 <p:sld xmlns:a="http://schemas.openxmlformats.org/drawingml/2006/main" xmlns:r="http://schemas.openxmlformats.org/officeDocument/2006/relationships" xmlns:p="http://schemas.openxmlformats.org/presentationml/2006/main">
   <p:cSld>
     <p:spTree>
@@ -5680,10 +5765,91 @@
   <p:clrMapOvr>
     <a:masterClrMapping/>
   </p:clrMapOvr>
+  <p:timing>
+    <p:tnLst>
+      <p:par>
+        <p:cTn id="1" dur="indefinite" restart="never" nodeType="tmRoot"/>
+      </p:par>
+    </p:tnLst>
+  </p:timing>
 </p:sld>
 </file>
 
-<file path=ppt/slides/slide18.xml><?xml version="1.0" encoding="utf-8"?>
+<file path=ppt/slides/slide2.xml><?xml version="1.0" encoding="utf-8"?>
+<p:sld xmlns:a="http://schemas.openxmlformats.org/drawingml/2006/main" xmlns:r="http://schemas.openxmlformats.org/officeDocument/2006/relationships" xmlns:p="http://schemas.openxmlformats.org/presentationml/2006/main">
+  <p:cSld>
+    <p:spTree>
+      <p:nvGrpSpPr>
+        <p:cNvPr id="1" name=""/>
+        <p:cNvGrpSpPr/>
+        <p:nvPr/>
+      </p:nvGrpSpPr>
+      <p:grpSpPr>
+        <a:xfrm>
+          <a:off x="0" y="0"/>
+          <a:ext cx="0" cy="0"/>
+          <a:chOff x="0" y="0"/>
+          <a:chExt cx="0" cy="0"/>
+        </a:xfrm>
+      </p:grpSpPr>
+      <p:sp>
+        <p:nvSpPr>
+          <p:cNvPr id="2" name="Title 1"/>
+          <p:cNvSpPr>
+            <a:spLocks noGrp="1"/>
+          </p:cNvSpPr>
+          <p:nvPr>
+            <p:ph type="ctrTitle"/>
+          </p:nvPr>
+        </p:nvSpPr>
+        <p:spPr/>
+        <p:txBody>
+          <a:bodyPr/>
+          <a:lstStyle/>
+          <a:p>
+            <a:r>
+              <a:rPr lang="en-US" dirty="0"/>
+              <a:t>Introduction to NLP</a:t>
+            </a:r>
+          </a:p>
+        </p:txBody>
+      </p:sp>
+      <p:sp>
+        <p:nvSpPr>
+          <p:cNvPr id="3" name="Subtitle 2"/>
+          <p:cNvSpPr>
+            <a:spLocks noGrp="1"/>
+          </p:cNvSpPr>
+          <p:nvPr>
+            <p:ph type="subTitle" idx="1"/>
+          </p:nvPr>
+        </p:nvSpPr>
+        <p:spPr/>
+        <p:txBody>
+          <a:bodyPr/>
+          <a:lstStyle/>
+          <a:p>
+            <a:r>
+              <a:rPr lang="en-US" dirty="0"/>
+              <a:t>Statistical POS Tagging</a:t>
+            </a:r>
+          </a:p>
+        </p:txBody>
+      </p:sp>
+    </p:spTree>
+    <p:extLst>
+      <p:ext uri="{BB962C8B-B14F-4D97-AF65-F5344CB8AC3E}">
+        <p14:creationId xmlns:p14="http://schemas.microsoft.com/office/powerpoint/2010/main" val="969845727"/>
+      </p:ext>
+    </p:extLst>
+  </p:cSld>
+  <p:clrMapOvr>
+    <a:masterClrMapping/>
+  </p:clrMapOvr>
+</p:sld>
+</file>
+
+<file path=ppt/slides/slide20.xml><?xml version="1.0" encoding="utf-8"?>
 <p:sld xmlns:a="http://schemas.openxmlformats.org/drawingml/2006/main" xmlns:r="http://schemas.openxmlformats.org/officeDocument/2006/relationships" xmlns:p="http://schemas.openxmlformats.org/presentationml/2006/main" show="0">
   <p:cSld>
     <p:spTree>
@@ -5754,10 +5920,25 @@
   <p:clrMapOvr>
     <a:masterClrMapping/>
   </p:clrMapOvr>
+  <mc:AlternateContent xmlns:mc="http://schemas.openxmlformats.org/markup-compatibility/2006" xmlns:p14="http://schemas.microsoft.com/office/powerpoint/2010/main">
+    <mc:Choice Requires="p14">
+      <p:transition spd="slow" p14:dur="2000"/>
+    </mc:Choice>
+    <mc:Fallback xmlns="">
+      <p:transition spd="slow"/>
+    </mc:Fallback>
+  </mc:AlternateContent>
+  <p:timing>
+    <p:tnLst>
+      <p:par>
+        <p:cTn id="1" dur="indefinite" restart="never" nodeType="tmRoot"/>
+      </p:par>
+    </p:tnLst>
+  </p:timing>
 </p:sld>
 </file>
 
-<file path=ppt/slides/slide19.xml><?xml version="1.0" encoding="utf-8"?>
+<file path=ppt/slides/slide21.xml><?xml version="1.0" encoding="utf-8"?>
 <p:sld xmlns:a="http://schemas.openxmlformats.org/drawingml/2006/main" xmlns:r="http://schemas.openxmlformats.org/officeDocument/2006/relationships" xmlns:p="http://schemas.openxmlformats.org/presentationml/2006/main" show="0">
   <p:cSld>
     <p:spTree>
@@ -5815,7 +5996,7 @@
         </p:spPr>
         <p:txBody>
           <a:bodyPr>
-            <a:normAutofit fontScale="77500" lnSpcReduction="20000"/>
+            <a:normAutofit fontScale="85000" lnSpcReduction="20000"/>
           </a:bodyPr>
           <a:lstStyle/>
           <a:p>
@@ -5986,6 +6167,14 @@
   <p:clrMapOvr>
     <a:masterClrMapping/>
   </p:clrMapOvr>
+  <mc:AlternateContent xmlns:mc="http://schemas.openxmlformats.org/markup-compatibility/2006" xmlns:p14="http://schemas.microsoft.com/office/powerpoint/2010/main">
+    <mc:Choice Requires="p14">
+      <p:transition spd="slow" p14:dur="2000"/>
+    </mc:Choice>
+    <mc:Fallback xmlns="">
+      <p:transition spd="slow"/>
+    </mc:Fallback>
+  </mc:AlternateContent>
   <p:timing>
     <p:tnLst>
       <p:par>
@@ -6610,81 +6799,7 @@
 </p:sld>
 </file>
 
-<file path=ppt/slides/slide2.xml><?xml version="1.0" encoding="utf-8"?>
-<p:sld xmlns:a="http://schemas.openxmlformats.org/drawingml/2006/main" xmlns:r="http://schemas.openxmlformats.org/officeDocument/2006/relationships" xmlns:p="http://schemas.openxmlformats.org/presentationml/2006/main">
-  <p:cSld>
-    <p:spTree>
-      <p:nvGrpSpPr>
-        <p:cNvPr id="1" name=""/>
-        <p:cNvGrpSpPr/>
-        <p:nvPr/>
-      </p:nvGrpSpPr>
-      <p:grpSpPr>
-        <a:xfrm>
-          <a:off x="0" y="0"/>
-          <a:ext cx="0" cy="0"/>
-          <a:chOff x="0" y="0"/>
-          <a:chExt cx="0" cy="0"/>
-        </a:xfrm>
-      </p:grpSpPr>
-      <p:sp>
-        <p:nvSpPr>
-          <p:cNvPr id="2" name="Title 1"/>
-          <p:cNvSpPr>
-            <a:spLocks noGrp="1"/>
-          </p:cNvSpPr>
-          <p:nvPr>
-            <p:ph type="ctrTitle"/>
-          </p:nvPr>
-        </p:nvSpPr>
-        <p:spPr/>
-        <p:txBody>
-          <a:bodyPr/>
-          <a:lstStyle/>
-          <a:p>
-            <a:r>
-              <a:rPr lang="en-US" dirty="0"/>
-              <a:t>Introduction to NLP</a:t>
-            </a:r>
-          </a:p>
-        </p:txBody>
-      </p:sp>
-      <p:sp>
-        <p:nvSpPr>
-          <p:cNvPr id="3" name="Subtitle 2"/>
-          <p:cNvSpPr>
-            <a:spLocks noGrp="1"/>
-          </p:cNvSpPr>
-          <p:nvPr>
-            <p:ph type="subTitle" idx="1"/>
-          </p:nvPr>
-        </p:nvSpPr>
-        <p:spPr/>
-        <p:txBody>
-          <a:bodyPr/>
-          <a:lstStyle/>
-          <a:p>
-            <a:r>
-              <a:rPr lang="en-US" dirty="0"/>
-              <a:t>Statistical POS Tagging</a:t>
-            </a:r>
-          </a:p>
-        </p:txBody>
-      </p:sp>
-    </p:spTree>
-    <p:extLst>
-      <p:ext uri="{BB962C8B-B14F-4D97-AF65-F5344CB8AC3E}">
-        <p14:creationId xmlns:p14="http://schemas.microsoft.com/office/powerpoint/2010/main" val="969845727"/>
-      </p:ext>
-    </p:extLst>
-  </p:cSld>
-  <p:clrMapOvr>
-    <a:masterClrMapping/>
-  </p:clrMapOvr>
-</p:sld>
-</file>
-
-<file path=ppt/slides/slide20.xml><?xml version="1.0" encoding="utf-8"?>
+<file path=ppt/slides/slide22.xml><?xml version="1.0" encoding="utf-8"?>
 <p:sld xmlns:a="http://schemas.openxmlformats.org/drawingml/2006/main" xmlns:r="http://schemas.openxmlformats.org/officeDocument/2006/relationships" xmlns:p="http://schemas.openxmlformats.org/presentationml/2006/main" show="0">
   <p:cSld>
     <p:spTree>
@@ -6792,6 +6907,14 @@
   <p:clrMapOvr>
     <a:masterClrMapping/>
   </p:clrMapOvr>
+  <mc:AlternateContent xmlns:mc="http://schemas.openxmlformats.org/markup-compatibility/2006" xmlns:p14="http://schemas.microsoft.com/office/powerpoint/2010/main">
+    <mc:Choice Requires="p14">
+      <p:transition spd="slow" p14:dur="2000"/>
+    </mc:Choice>
+    <mc:Fallback xmlns="">
+      <p:transition spd="slow"/>
+    </mc:Fallback>
+  </mc:AlternateContent>
   <p:timing>
     <p:tnLst>
       <p:par>
@@ -6870,7 +6993,7 @@
 </p:sld>
 </file>
 
-<file path=ppt/slides/slide21.xml><?xml version="1.0" encoding="utf-8"?>
+<file path=ppt/slides/slide23.xml><?xml version="1.0" encoding="utf-8"?>
 <p:sld xmlns:a="http://schemas.openxmlformats.org/drawingml/2006/main" xmlns:r="http://schemas.openxmlformats.org/officeDocument/2006/relationships" xmlns:p="http://schemas.openxmlformats.org/presentationml/2006/main" show="0">
   <p:cSld>
     <p:spTree>
@@ -6973,6 +7096,14 @@
   <p:clrMapOvr>
     <a:masterClrMapping/>
   </p:clrMapOvr>
+  <mc:AlternateContent xmlns:mc="http://schemas.openxmlformats.org/markup-compatibility/2006" xmlns:p14="http://schemas.microsoft.com/office/powerpoint/2010/main">
+    <mc:Choice Requires="p14">
+      <p:transition spd="slow" p14:dur="2000"/>
+    </mc:Choice>
+    <mc:Fallback xmlns="">
+      <p:transition spd="slow"/>
+    </mc:Fallback>
+  </mc:AlternateContent>
   <p:timing>
     <p:tnLst>
       <p:par>
@@ -7051,7 +7182,7 @@
 </p:sld>
 </file>
 
-<file path=ppt/slides/slide22.xml><?xml version="1.0" encoding="utf-8"?>
+<file path=ppt/slides/slide24.xml><?xml version="1.0" encoding="utf-8"?>
 <p:sld xmlns:a="http://schemas.openxmlformats.org/drawingml/2006/main" xmlns:r="http://schemas.openxmlformats.org/officeDocument/2006/relationships" xmlns:p="http://schemas.openxmlformats.org/presentationml/2006/main" show="0">
   <p:cSld>
     <p:spTree>
@@ -7159,6 +7290,14 @@
   <p:clrMapOvr>
     <a:masterClrMapping/>
   </p:clrMapOvr>
+  <mc:AlternateContent xmlns:mc="http://schemas.openxmlformats.org/markup-compatibility/2006" xmlns:p14="http://schemas.microsoft.com/office/powerpoint/2010/main">
+    <mc:Choice Requires="p14">
+      <p:transition spd="slow" p14:dur="2000"/>
+    </mc:Choice>
+    <mc:Fallback xmlns="">
+      <p:transition spd="slow"/>
+    </mc:Fallback>
+  </mc:AlternateContent>
   <p:timing>
     <p:tnLst>
       <p:par>
@@ -7237,7 +7376,7 @@
 </p:sld>
 </file>
 
-<file path=ppt/slides/slide23.xml><?xml version="1.0" encoding="utf-8"?>
+<file path=ppt/slides/slide25.xml><?xml version="1.0" encoding="utf-8"?>
 <p:sld xmlns:a="http://schemas.openxmlformats.org/drawingml/2006/main" xmlns:r="http://schemas.openxmlformats.org/officeDocument/2006/relationships" xmlns:p="http://schemas.openxmlformats.org/presentationml/2006/main">
   <p:cSld>
     <p:spTree>
@@ -7293,6 +7432,13 @@
   <p:clrMapOvr>
     <a:masterClrMapping/>
   </p:clrMapOvr>
+  <p:timing>
+    <p:tnLst>
+      <p:par>
+        <p:cTn id="1" dur="indefinite" restart="never" nodeType="tmRoot"/>
+      </p:par>
+    </p:tnLst>
+  </p:timing>
 </p:sld>
 </file>
 
@@ -7393,6 +7539,14 @@
   <p:clrMapOvr>
     <a:masterClrMapping/>
   </p:clrMapOvr>
+  <mc:AlternateContent xmlns:mc="http://schemas.openxmlformats.org/markup-compatibility/2006" xmlns:p14="http://schemas.microsoft.com/office/powerpoint/2010/main">
+    <mc:Choice Requires="p14">
+      <p:transition spd="slow" p14:dur="2000"/>
+    </mc:Choice>
+    <mc:Fallback xmlns="">
+      <p:transition spd="slow"/>
+    </mc:Fallback>
+  </mc:AlternateContent>
   <p:timing>
     <p:tnLst>
       <p:par>
@@ -7726,239 +7880,215 @@
         </p:nvSpPr>
         <p:spPr>
           <a:xfrm>
-            <a:off x="457200" y="1263651"/>
-            <a:ext cx="8229600" cy="3619500"/>
+            <a:off x="457199" y="1263651"/>
+            <a:ext cx="8540885" cy="3619500"/>
           </a:xfrm>
         </p:spPr>
         <p:txBody>
           <a:bodyPr>
-            <a:normAutofit lnSpcReduction="10000"/>
+            <a:normAutofit/>
           </a:bodyPr>
           <a:lstStyle/>
           <a:p>
-            <a:pPr>
-              <a:lnSpc>
-                <a:spcPct val="90000"/>
-              </a:lnSpc>
-            </a:pPr>
-            <a:r>
-              <a:rPr lang="en-US" altLang="en-US" sz="2800" dirty="0"/>
+            <a:r>
+              <a:rPr lang="en-US" altLang="en-US" sz="2400" dirty="0"/>
               <a:t>Find tag sequence that maximizes the probability formula</a:t>
             </a:r>
           </a:p>
           <a:p>
-            <a:pPr lvl="1">
-              <a:lnSpc>
-                <a:spcPct val="90000"/>
-              </a:lnSpc>
-            </a:pPr>
-            <a:r>
-              <a:rPr lang="en-US" altLang="en-US" sz="2300" dirty="0"/>
+            <a:pPr lvl="1"/>
+            <a:r>
+              <a:rPr lang="en-US" altLang="en-US" dirty="0"/>
               <a:t>P(</a:t>
             </a:r>
             <a:r>
-              <a:rPr lang="en-US" altLang="en-US" sz="2300" dirty="0" err="1"/>
+              <a:rPr lang="en-US" altLang="en-US" dirty="0" err="1"/>
               <a:t>word|tag</a:t>
             </a:r>
             <a:r>
-              <a:rPr lang="en-US" altLang="en-US" sz="2300" dirty="0"/>
+              <a:rPr lang="en-US" altLang="en-US" dirty="0"/>
               <a:t>) * P(</a:t>
             </a:r>
             <a:r>
-              <a:rPr lang="en-US" altLang="en-US" sz="2300" dirty="0" err="1"/>
+              <a:rPr lang="en-US" altLang="en-US" dirty="0" err="1"/>
               <a:t>tag|previous</a:t>
             </a:r>
             <a:r>
-              <a:rPr lang="en-US" altLang="en-US" sz="2300" dirty="0"/>
+              <a:rPr lang="en-US" altLang="en-US" dirty="0"/>
               <a:t> n tags) </a:t>
             </a:r>
           </a:p>
           <a:p>
+            <a:pPr eaLnBrk="1" hangingPunct="1"/>
+            <a:r>
+              <a:rPr lang="en-US" altLang="en-US" sz="2400" dirty="0"/>
+              <a:t>A bigram-based HMM tagger chooses the tag </a:t>
+            </a:r>
+            <a:r>
+              <a:rPr lang="en-US" altLang="en-US" sz="2400" dirty="0" err="1"/>
+              <a:t>t</a:t>
+            </a:r>
+            <a:r>
+              <a:rPr lang="en-US" altLang="en-US" sz="2400" baseline="-25000" dirty="0" err="1"/>
+              <a:t>i</a:t>
+            </a:r>
+            <a:r>
+              <a:rPr lang="en-US" altLang="en-US" sz="2400" dirty="0"/>
+              <a:t> for word </a:t>
+            </a:r>
+            <a:r>
+              <a:rPr lang="en-US" altLang="en-US" sz="2400" dirty="0" err="1"/>
+              <a:t>w</a:t>
+            </a:r>
+            <a:r>
+              <a:rPr lang="en-US" altLang="en-US" sz="2400" baseline="-25000" dirty="0" err="1"/>
+              <a:t>i</a:t>
+            </a:r>
+            <a:r>
+              <a:rPr lang="en-US" altLang="en-US" sz="2400" dirty="0"/>
+              <a:t> that is most probable given the previous tag t</a:t>
+            </a:r>
+            <a:r>
+              <a:rPr lang="en-US" altLang="en-US" sz="2400" baseline="-25000" dirty="0"/>
+              <a:t>i-1</a:t>
+            </a:r>
+            <a:r>
+              <a:rPr lang="en-US" altLang="en-US" sz="2400" dirty="0"/>
+              <a:t> and the current word </a:t>
+            </a:r>
+            <a:r>
+              <a:rPr lang="en-US" altLang="en-US" sz="2400" dirty="0" err="1"/>
+              <a:t>w</a:t>
+            </a:r>
+            <a:r>
+              <a:rPr lang="en-US" altLang="en-US" sz="2400" baseline="-25000" dirty="0" err="1"/>
+              <a:t>i</a:t>
+            </a:r>
+            <a:r>
+              <a:rPr lang="en-US" altLang="en-US" sz="2400" dirty="0"/>
+              <a:t>:</a:t>
+            </a:r>
+          </a:p>
+          <a:p>
+            <a:pPr lvl="1"/>
+            <a:r>
+              <a:rPr lang="en-US" altLang="en-US" dirty="0" err="1"/>
+              <a:t>t</a:t>
+            </a:r>
+            <a:r>
+              <a:rPr lang="en-US" altLang="en-US" baseline="-25000" dirty="0" err="1"/>
+              <a:t>i</a:t>
+            </a:r>
+            <a:r>
+              <a:rPr lang="en-US" altLang="en-US" dirty="0"/>
+              <a:t> = </a:t>
+            </a:r>
+            <a:r>
+              <a:rPr lang="en-US" altLang="en-US" dirty="0" err="1"/>
+              <a:t>argmax</a:t>
+            </a:r>
+            <a:r>
+              <a:rPr lang="en-US" altLang="en-US" baseline="-25000" dirty="0" err="1"/>
+              <a:t>j</a:t>
+            </a:r>
+            <a:r>
+              <a:rPr lang="en-US" altLang="en-US" dirty="0"/>
+              <a:t> P(t</a:t>
+            </a:r>
+            <a:r>
+              <a:rPr lang="en-US" altLang="en-US" baseline="-25000" dirty="0"/>
+              <a:t>j</a:t>
+            </a:r>
+            <a:r>
+              <a:rPr lang="en-US" altLang="en-US" dirty="0"/>
+              <a:t>|t</a:t>
+            </a:r>
+            <a:r>
+              <a:rPr lang="en-US" altLang="en-US" baseline="-25000" dirty="0"/>
+              <a:t>i-1</a:t>
+            </a:r>
+            <a:r>
+              <a:rPr lang="en-US" altLang="en-US" dirty="0"/>
+              <a:t>,w</a:t>
+            </a:r>
+            <a:r>
+              <a:rPr lang="en-US" altLang="en-US" baseline="-25000" dirty="0"/>
+              <a:t>i</a:t>
+            </a:r>
+            <a:r>
+              <a:rPr lang="en-US" altLang="en-US" dirty="0"/>
+              <a:t>)</a:t>
+            </a:r>
+          </a:p>
+          <a:p>
+            <a:pPr lvl="1"/>
+            <a:r>
+              <a:rPr lang="en-US" altLang="en-US" dirty="0" err="1"/>
+              <a:t>t</a:t>
+            </a:r>
+            <a:r>
+              <a:rPr lang="en-US" altLang="en-US" baseline="-25000" dirty="0" err="1"/>
+              <a:t>i</a:t>
+            </a:r>
+            <a:r>
+              <a:rPr lang="en-US" altLang="en-US" dirty="0"/>
+              <a:t> = </a:t>
+            </a:r>
+            <a:r>
+              <a:rPr lang="en-US" altLang="en-US" dirty="0" err="1"/>
+              <a:t>argmax</a:t>
+            </a:r>
+            <a:r>
+              <a:rPr lang="en-US" altLang="en-US" baseline="-25000" dirty="0" err="1"/>
+              <a:t>j</a:t>
+            </a:r>
+            <a:r>
+              <a:rPr lang="en-US" altLang="en-US" dirty="0"/>
+              <a:t> P(t</a:t>
+            </a:r>
+            <a:r>
+              <a:rPr lang="en-US" altLang="en-US" baseline="-25000" dirty="0"/>
+              <a:t>j</a:t>
+            </a:r>
+            <a:r>
+              <a:rPr lang="en-US" altLang="en-US" dirty="0"/>
+              <a:t>|t</a:t>
+            </a:r>
+            <a:r>
+              <a:rPr lang="en-US" altLang="en-US" baseline="-25000" dirty="0"/>
+              <a:t>i-1</a:t>
+            </a:r>
+            <a:r>
+              <a:rPr lang="en-US" altLang="en-US" dirty="0"/>
+              <a:t>)P(</a:t>
+            </a:r>
+            <a:r>
+              <a:rPr lang="en-US" altLang="en-US" dirty="0" err="1"/>
+              <a:t>w</a:t>
+            </a:r>
+            <a:r>
+              <a:rPr lang="en-US" altLang="en-US" baseline="-25000" dirty="0" err="1"/>
+              <a:t>i</a:t>
+            </a:r>
+            <a:r>
+              <a:rPr lang="en-US" altLang="en-US" dirty="0" err="1"/>
+              <a:t>|t</a:t>
+            </a:r>
+            <a:r>
+              <a:rPr lang="en-US" altLang="en-US" baseline="-25000" dirty="0" err="1"/>
+              <a:t>j</a:t>
+            </a:r>
+            <a:r>
+              <a:rPr lang="en-US" altLang="en-US" dirty="0"/>
+              <a:t>) : HMM equation for a single tag</a:t>
+            </a:r>
+          </a:p>
+          <a:p>
             <a:pPr eaLnBrk="1" hangingPunct="1">
-              <a:lnSpc>
-                <a:spcPct val="90000"/>
-              </a:lnSpc>
-            </a:pPr>
-            <a:r>
-              <a:rPr lang="en-US" altLang="en-US" sz="2800" dirty="0"/>
-              <a:t>A bigram-based HMM tagger chooses the tag </a:t>
-            </a:r>
-            <a:r>
-              <a:rPr lang="en-US" altLang="en-US" sz="2800" dirty="0" err="1"/>
-              <a:t>t</a:t>
-            </a:r>
-            <a:r>
-              <a:rPr lang="en-US" altLang="en-US" sz="2800" baseline="-25000" dirty="0" err="1"/>
-              <a:t>i</a:t>
-            </a:r>
-            <a:r>
-              <a:rPr lang="en-US" altLang="en-US" sz="2800" dirty="0"/>
-              <a:t> for word </a:t>
-            </a:r>
-            <a:r>
-              <a:rPr lang="en-US" altLang="en-US" sz="2800" dirty="0" err="1"/>
-              <a:t>w</a:t>
-            </a:r>
-            <a:r>
-              <a:rPr lang="en-US" altLang="en-US" sz="2800" baseline="-25000" dirty="0" err="1"/>
-              <a:t>i</a:t>
-            </a:r>
-            <a:r>
-              <a:rPr lang="en-US" altLang="en-US" sz="2800" dirty="0"/>
-              <a:t> that is most probable given the previous tag t</a:t>
-            </a:r>
-            <a:r>
-              <a:rPr lang="en-US" altLang="en-US" sz="2800" baseline="-25000" dirty="0"/>
-              <a:t>i-1</a:t>
-            </a:r>
-            <a:r>
-              <a:rPr lang="en-US" altLang="en-US" sz="2800" dirty="0"/>
-              <a:t> and the current word </a:t>
-            </a:r>
-            <a:r>
-              <a:rPr lang="en-US" altLang="en-US" sz="2800" dirty="0" err="1"/>
-              <a:t>w</a:t>
-            </a:r>
-            <a:r>
-              <a:rPr lang="en-US" altLang="en-US" sz="2800" baseline="-25000" dirty="0" err="1"/>
-              <a:t>i</a:t>
-            </a:r>
-            <a:r>
-              <a:rPr lang="en-US" altLang="en-US" sz="2800" dirty="0"/>
-              <a:t>:</a:t>
-            </a:r>
-          </a:p>
-          <a:p>
-            <a:pPr lvl="1">
-              <a:lnSpc>
-                <a:spcPct val="90000"/>
-              </a:lnSpc>
-            </a:pPr>
-            <a:r>
-              <a:rPr lang="en-US" altLang="en-US" sz="2300" dirty="0" err="1"/>
-              <a:t>t</a:t>
-            </a:r>
-            <a:r>
-              <a:rPr lang="en-US" altLang="en-US" sz="2300" baseline="-25000" dirty="0" err="1"/>
-              <a:t>i</a:t>
-            </a:r>
-            <a:r>
-              <a:rPr lang="en-US" altLang="en-US" sz="2300" dirty="0"/>
-              <a:t> = </a:t>
-            </a:r>
-            <a:r>
-              <a:rPr lang="en-US" altLang="en-US" sz="2300" dirty="0" err="1"/>
-              <a:t>argmax</a:t>
-            </a:r>
-            <a:r>
-              <a:rPr lang="en-US" altLang="en-US" sz="2300" baseline="-25000" dirty="0" err="1"/>
-              <a:t>j</a:t>
-            </a:r>
-            <a:r>
-              <a:rPr lang="en-US" altLang="en-US" sz="2300" dirty="0"/>
-              <a:t> P(t</a:t>
-            </a:r>
-            <a:r>
-              <a:rPr lang="en-US" altLang="en-US" sz="2300" baseline="-25000" dirty="0"/>
-              <a:t>j</a:t>
-            </a:r>
-            <a:r>
-              <a:rPr lang="en-US" altLang="en-US" sz="2300" dirty="0"/>
-              <a:t>|t</a:t>
-            </a:r>
-            <a:r>
-              <a:rPr lang="en-US" altLang="en-US" sz="2300" baseline="-25000" dirty="0"/>
-              <a:t>i-1</a:t>
-            </a:r>
-            <a:r>
-              <a:rPr lang="en-US" altLang="en-US" sz="2300" dirty="0"/>
-              <a:t>,w</a:t>
-            </a:r>
-            <a:r>
-              <a:rPr lang="en-US" altLang="en-US" sz="2300" baseline="-25000" dirty="0"/>
-              <a:t>i</a:t>
-            </a:r>
-            <a:r>
-              <a:rPr lang="en-US" altLang="en-US" sz="2300" dirty="0"/>
-              <a:t>)</a:t>
-            </a:r>
-          </a:p>
-          <a:p>
-            <a:pPr lvl="1">
-              <a:lnSpc>
-                <a:spcPct val="90000"/>
-              </a:lnSpc>
-            </a:pPr>
-            <a:r>
-              <a:rPr lang="en-US" altLang="en-US" sz="2300" dirty="0" err="1"/>
-              <a:t>t</a:t>
-            </a:r>
-            <a:r>
-              <a:rPr lang="en-US" altLang="en-US" sz="2300" baseline="-25000" dirty="0" err="1"/>
-              <a:t>i</a:t>
-            </a:r>
-            <a:r>
-              <a:rPr lang="en-US" altLang="en-US" sz="2300" dirty="0"/>
-              <a:t> = </a:t>
-            </a:r>
-            <a:r>
-              <a:rPr lang="en-US" altLang="en-US" sz="2300" dirty="0" err="1"/>
-              <a:t>argmax</a:t>
-            </a:r>
-            <a:r>
-              <a:rPr lang="en-US" altLang="en-US" sz="2300" baseline="-25000" dirty="0" err="1"/>
-              <a:t>j</a:t>
-            </a:r>
-            <a:r>
-              <a:rPr lang="en-US" altLang="en-US" sz="2300" dirty="0"/>
-              <a:t> P(t</a:t>
-            </a:r>
-            <a:r>
-              <a:rPr lang="en-US" altLang="en-US" sz="2300" baseline="-25000" dirty="0"/>
-              <a:t>j</a:t>
-            </a:r>
-            <a:r>
-              <a:rPr lang="en-US" altLang="en-US" sz="2300" dirty="0"/>
-              <a:t>|t</a:t>
-            </a:r>
-            <a:r>
-              <a:rPr lang="en-US" altLang="en-US" sz="2300" baseline="-25000" dirty="0"/>
-              <a:t>i-1</a:t>
-            </a:r>
-            <a:r>
-              <a:rPr lang="en-US" altLang="en-US" sz="2300" dirty="0"/>
-              <a:t>)P(</a:t>
-            </a:r>
-            <a:r>
-              <a:rPr lang="en-US" altLang="en-US" sz="2300" dirty="0" err="1"/>
-              <a:t>w</a:t>
-            </a:r>
-            <a:r>
-              <a:rPr lang="en-US" altLang="en-US" sz="2300" baseline="-25000" dirty="0" err="1"/>
-              <a:t>i</a:t>
-            </a:r>
-            <a:r>
-              <a:rPr lang="en-US" altLang="en-US" sz="2300" dirty="0" err="1"/>
-              <a:t>|t</a:t>
-            </a:r>
-            <a:r>
-              <a:rPr lang="en-US" altLang="en-US" sz="2300" baseline="-25000" dirty="0" err="1"/>
-              <a:t>j</a:t>
-            </a:r>
-            <a:r>
-              <a:rPr lang="en-US" altLang="en-US" sz="2300" dirty="0"/>
-              <a:t>) : HMM equation for a single tag</a:t>
-            </a:r>
-          </a:p>
-          <a:p>
-            <a:pPr eaLnBrk="1" hangingPunct="1">
-              <a:lnSpc>
-                <a:spcPct val="90000"/>
-              </a:lnSpc>
               <a:buFontTx/>
               <a:buNone/>
             </a:pPr>
-            <a:endParaRPr lang="en-US" altLang="en-US" sz="2800" dirty="0"/>
+            <a:endParaRPr lang="en-US" altLang="en-US" sz="2400" dirty="0"/>
           </a:p>
         </p:txBody>
       </p:sp>
@@ -7972,6 +8102,21 @@
   <p:clrMapOvr>
     <a:masterClrMapping/>
   </p:clrMapOvr>
+  <mc:AlternateContent xmlns:mc="http://schemas.openxmlformats.org/markup-compatibility/2006" xmlns:p14="http://schemas.microsoft.com/office/powerpoint/2010/main">
+    <mc:Choice Requires="p14">
+      <p:transition spd="slow" p14:dur="2000"/>
+    </mc:Choice>
+    <mc:Fallback xmlns="">
+      <p:transition spd="slow"/>
+    </mc:Fallback>
+  </mc:AlternateContent>
+  <p:timing>
+    <p:tnLst>
+      <p:par>
+        <p:cTn id="1" dur="indefinite" restart="never" nodeType="tmRoot"/>
+      </p:par>
+    </p:tnLst>
+  </p:timing>
 </p:sld>
 </file>
 
@@ -8028,7 +8173,7 @@
         <p:spPr>
           <a:xfrm>
             <a:off x="124287" y="1094314"/>
-            <a:ext cx="8859915" cy="3512460"/>
+            <a:ext cx="8859915" cy="3818154"/>
           </a:xfrm>
         </p:spPr>
         <p:txBody>
@@ -8039,15 +8184,15 @@
           <a:p>
             <a:pPr eaLnBrk="1" hangingPunct="1"/>
             <a:r>
-              <a:rPr lang="en-US" altLang="en-US" sz="2800" dirty="0"/>
+              <a:rPr lang="en-US" altLang="en-US" sz="2400" dirty="0"/>
               <a:t>T = </a:t>
             </a:r>
             <a:r>
-              <a:rPr lang="en-US" altLang="en-US" sz="2800" dirty="0" err="1"/>
+              <a:rPr lang="en-US" altLang="en-US" sz="2400" dirty="0" err="1"/>
               <a:t>argmax</a:t>
             </a:r>
             <a:r>
-              <a:rPr lang="en-US" altLang="en-US" sz="2800" dirty="0"/>
+              <a:rPr lang="en-US" altLang="en-US" sz="2400" dirty="0"/>
               <a:t> P(T|W)</a:t>
             </a:r>
           </a:p>
@@ -8086,7 +8231,7 @@
           <a:p>
             <a:pPr eaLnBrk="1" hangingPunct="1"/>
             <a:r>
-              <a:rPr lang="en-US" altLang="en-US" sz="2800" dirty="0"/>
+              <a:rPr lang="en-US" altLang="en-US" sz="2400" dirty="0"/>
               <a:t>By Bayes’ theorem</a:t>
             </a:r>
           </a:p>
@@ -8100,8 +8245,16 @@
           <a:p>
             <a:pPr eaLnBrk="1" hangingPunct="1"/>
             <a:r>
-              <a:rPr lang="en-US" altLang="en-US" sz="2800" dirty="0"/>
-              <a:t>Thus we are attempting to choose the sequence of tags that maximizes the RHS of the equation</a:t>
+              <a:rPr lang="en-US" altLang="en-US" sz="2400" dirty="0"/>
+              <a:t>Thus we are attempting to choose the sequence of tags that maximizes the </a:t>
+            </a:r>
+            <a:r>
+              <a:rPr lang="en-US" altLang="en-US" sz="2400" dirty="0" smtClean="0"/>
+              <a:t>RHS of </a:t>
+            </a:r>
+            <a:r>
+              <a:rPr lang="en-US" altLang="en-US" sz="2400" dirty="0"/>
+              <a:t>the equation</a:t>
             </a:r>
           </a:p>
           <a:p>
@@ -8130,6 +8283,13 @@
   <p:clrMapOvr>
     <a:masterClrMapping/>
   </p:clrMapOvr>
+  <p:timing>
+    <p:tnLst>
+      <p:par>
+        <p:cTn id="1" dur="indefinite" restart="never" nodeType="tmRoot"/>
+      </p:par>
+    </p:tnLst>
+  </p:timing>
 </p:sld>
 </file>
 
@@ -8459,128 +8619,18 @@
   <p:clrMapOvr>
     <a:masterClrMapping/>
   </p:clrMapOvr>
+  <p:timing>
+    <p:tnLst>
+      <p:par>
+        <p:cTn id="1" dur="indefinite" restart="never" nodeType="tmRoot"/>
+      </p:par>
+    </p:tnLst>
+  </p:timing>
 </p:sld>
 </file>
 
 <file path=ppt/slides/slide7.xml><?xml version="1.0" encoding="utf-8"?>
 <p:sld xmlns:a="http://schemas.openxmlformats.org/drawingml/2006/main" xmlns:r="http://schemas.openxmlformats.org/officeDocument/2006/relationships" xmlns:p="http://schemas.openxmlformats.org/presentationml/2006/main">
-  <p:cSld>
-    <p:spTree>
-      <p:nvGrpSpPr>
-        <p:cNvPr id="1" name=""/>
-        <p:cNvGrpSpPr/>
-        <p:nvPr/>
-      </p:nvGrpSpPr>
-      <p:grpSpPr>
-        <a:xfrm>
-          <a:off x="0" y="0"/>
-          <a:ext cx="0" cy="0"/>
-          <a:chOff x="0" y="0"/>
-          <a:chExt cx="0" cy="0"/>
-        </a:xfrm>
-      </p:grpSpPr>
-      <p:sp>
-        <p:nvSpPr>
-          <p:cNvPr id="47106" name="Rectangle 2"/>
-          <p:cNvSpPr>
-            <a:spLocks noGrp="1" noChangeArrowheads="1"/>
-          </p:cNvSpPr>
-          <p:nvPr>
-            <p:ph type="title"/>
-          </p:nvPr>
-        </p:nvSpPr>
-        <p:spPr/>
-        <p:txBody>
-          <a:bodyPr/>
-          <a:lstStyle/>
-          <a:p>
-            <a:pPr eaLnBrk="1" hangingPunct="1"/>
-            <a:r>
-              <a:rPr lang="en-US" altLang="en-US" dirty="0"/>
-              <a:t>Maximum Likelihood Estimates</a:t>
-            </a:r>
-          </a:p>
-        </p:txBody>
-      </p:sp>
-      <p:sp>
-        <p:nvSpPr>
-          <p:cNvPr id="47107" name="Rectangle 3"/>
-          <p:cNvSpPr>
-            <a:spLocks noGrp="1" noChangeArrowheads="1"/>
-          </p:cNvSpPr>
-          <p:nvPr>
-            <p:ph type="body" idx="1"/>
-          </p:nvPr>
-        </p:nvSpPr>
-        <p:spPr/>
-        <p:txBody>
-          <a:bodyPr/>
-          <a:lstStyle/>
-          <a:p>
-            <a:pPr eaLnBrk="1" hangingPunct="1"/>
-            <a:r>
-              <a:rPr lang="en-US" altLang="en-US" dirty="0"/>
-              <a:t>Transitions</a:t>
-            </a:r>
-          </a:p>
-          <a:p>
-            <a:pPr marL="457200" lvl="1" indent="0">
-              <a:buNone/>
-            </a:pPr>
-            <a:r>
-              <a:rPr lang="en-US" altLang="en-US" dirty="0"/>
-              <a:t>P(NN|JJ) = C(JJ,NN)/C(JJ)=22301/89401 = .249</a:t>
-            </a:r>
-          </a:p>
-          <a:p>
-            <a:pPr eaLnBrk="1" hangingPunct="1"/>
-            <a:r>
-              <a:rPr lang="en-US" altLang="en-US" dirty="0"/>
-              <a:t>Emissions</a:t>
-            </a:r>
-          </a:p>
-          <a:p>
-            <a:pPr marL="457200" lvl="1" indent="0">
-              <a:buNone/>
-            </a:pPr>
-            <a:r>
-              <a:rPr lang="en-US" altLang="en-US" dirty="0"/>
-              <a:t>P(</a:t>
-            </a:r>
-            <a:r>
-              <a:rPr lang="en-US" altLang="en-US" dirty="0" err="1"/>
-              <a:t>this|DT</a:t>
-            </a:r>
-            <a:r>
-              <a:rPr lang="en-US" altLang="en-US" dirty="0"/>
-              <a:t>) = C(</a:t>
-            </a:r>
-            <a:r>
-              <a:rPr lang="en-US" altLang="en-US" dirty="0" err="1"/>
-              <a:t>DT,this</a:t>
-            </a:r>
-            <a:r>
-              <a:rPr lang="en-US" altLang="en-US" dirty="0"/>
-              <a:t>)/C(DT)=7037/103687 = .068</a:t>
-            </a:r>
-          </a:p>
-        </p:txBody>
-      </p:sp>
-    </p:spTree>
-    <p:extLst>
-      <p:ext uri="{BB962C8B-B14F-4D97-AF65-F5344CB8AC3E}">
-        <p14:creationId xmlns:p14="http://schemas.microsoft.com/office/powerpoint/2010/main" val="1573557647"/>
-      </p:ext>
-    </p:extLst>
-  </p:cSld>
-  <p:clrMapOvr>
-    <a:masterClrMapping/>
-  </p:clrMapOvr>
-</p:sld>
-</file>
-
-<file path=ppt/slides/slide8.xml><?xml version="1.0" encoding="utf-8"?>
-<p:sld xmlns:a="http://schemas.openxmlformats.org/drawingml/2006/main" xmlns:r="http://schemas.openxmlformats.org/officeDocument/2006/relationships" xmlns:p="http://schemas.openxmlformats.org/presentationml/2006/main" show="0">
   <p:cSld>
     <p:spTree>
       <p:nvGrpSpPr>
@@ -8656,11 +8706,26 @@
   <p:clrMapOvr>
     <a:masterClrMapping/>
   </p:clrMapOvr>
+  <mc:AlternateContent xmlns:mc="http://schemas.openxmlformats.org/markup-compatibility/2006" xmlns:p14="http://schemas.microsoft.com/office/powerpoint/2010/main">
+    <mc:Choice Requires="p14">
+      <p:transition spd="slow" p14:dur="2000"/>
+    </mc:Choice>
+    <mc:Fallback xmlns="">
+      <p:transition spd="slow"/>
+    </mc:Fallback>
+  </mc:AlternateContent>
+  <p:timing>
+    <p:tnLst>
+      <p:par>
+        <p:cTn id="1" dur="indefinite" restart="never" nodeType="tmRoot"/>
+      </p:par>
+    </p:tnLst>
+  </p:timing>
 </p:sld>
 </file>
 
-<file path=ppt/slides/slide9.xml><?xml version="1.0" encoding="utf-8"?>
-<p:sld xmlns:a="http://schemas.openxmlformats.org/drawingml/2006/main" xmlns:r="http://schemas.openxmlformats.org/officeDocument/2006/relationships" xmlns:p="http://schemas.openxmlformats.org/presentationml/2006/main" show="0">
+<file path=ppt/slides/slide8.xml><?xml version="1.0" encoding="utf-8"?>
+<p:sld xmlns:a="http://schemas.openxmlformats.org/drawingml/2006/main" xmlns:r="http://schemas.openxmlformats.org/officeDocument/2006/relationships" xmlns:p="http://schemas.openxmlformats.org/presentationml/2006/main">
   <p:cSld>
     <p:spTree>
       <p:nvGrpSpPr>
@@ -13791,6 +13856,161 @@
   <p:clrMapOvr>
     <a:masterClrMapping/>
   </p:clrMapOvr>
+  <mc:AlternateContent xmlns:mc="http://schemas.openxmlformats.org/markup-compatibility/2006" xmlns:p14="http://schemas.microsoft.com/office/powerpoint/2010/main">
+    <mc:Choice Requires="p14">
+      <p:transition spd="slow" p14:dur="2000"/>
+    </mc:Choice>
+    <mc:Fallback xmlns="">
+      <p:transition spd="slow"/>
+    </mc:Fallback>
+  </mc:AlternateContent>
+  <p:timing>
+    <p:tnLst>
+      <p:par>
+        <p:cTn id="1" dur="indefinite" restart="never" nodeType="tmRoot"/>
+      </p:par>
+    </p:tnLst>
+  </p:timing>
+</p:sld>
+</file>
+
+<file path=ppt/slides/slide9.xml><?xml version="1.0" encoding="utf-8"?>
+<p:sld xmlns:a="http://schemas.openxmlformats.org/drawingml/2006/main" xmlns:r="http://schemas.openxmlformats.org/officeDocument/2006/relationships" xmlns:p="http://schemas.openxmlformats.org/presentationml/2006/main">
+  <p:cSld>
+    <p:spTree>
+      <p:nvGrpSpPr>
+        <p:cNvPr id="1" name=""/>
+        <p:cNvGrpSpPr/>
+        <p:nvPr/>
+      </p:nvGrpSpPr>
+      <p:grpSpPr>
+        <a:xfrm>
+          <a:off x="0" y="0"/>
+          <a:ext cx="0" cy="0"/>
+          <a:chOff x="0" y="0"/>
+          <a:chExt cx="0" cy="0"/>
+        </a:xfrm>
+      </p:grpSpPr>
+      <p:sp>
+        <p:nvSpPr>
+          <p:cNvPr id="47106" name="Rectangle 2"/>
+          <p:cNvSpPr>
+            <a:spLocks noGrp="1" noChangeArrowheads="1"/>
+          </p:cNvSpPr>
+          <p:nvPr>
+            <p:ph type="title"/>
+          </p:nvPr>
+        </p:nvSpPr>
+        <p:spPr/>
+        <p:txBody>
+          <a:bodyPr/>
+          <a:lstStyle/>
+          <a:p>
+            <a:pPr eaLnBrk="1" hangingPunct="1"/>
+            <a:r>
+              <a:rPr lang="en-US" altLang="en-US" dirty="0"/>
+              <a:t>Maximum Likelihood Estimates</a:t>
+            </a:r>
+          </a:p>
+        </p:txBody>
+      </p:sp>
+      <p:sp>
+        <p:nvSpPr>
+          <p:cNvPr id="47107" name="Rectangle 3"/>
+          <p:cNvSpPr>
+            <a:spLocks noGrp="1" noChangeArrowheads="1"/>
+          </p:cNvSpPr>
+          <p:nvPr>
+            <p:ph type="body" idx="1"/>
+          </p:nvPr>
+        </p:nvSpPr>
+        <p:spPr/>
+        <p:txBody>
+          <a:bodyPr/>
+          <a:lstStyle/>
+          <a:p>
+            <a:pPr eaLnBrk="1" hangingPunct="1"/>
+            <a:r>
+              <a:rPr lang="en-US" altLang="en-US" dirty="0"/>
+              <a:t>Transitions</a:t>
+            </a:r>
+          </a:p>
+          <a:p>
+            <a:pPr marL="457200" lvl="1" indent="0">
+              <a:buNone/>
+            </a:pPr>
+            <a:r>
+              <a:rPr lang="en-US" altLang="en-US" dirty="0"/>
+              <a:t>P(NN|JJ) = C(JJ,NN)/C(JJ</a:t>
+            </a:r>
+            <a:r>
+              <a:rPr lang="en-US" altLang="en-US" dirty="0" smtClean="0"/>
+              <a:t>) = 22301/89401 </a:t>
+            </a:r>
+            <a:r>
+              <a:rPr lang="en-US" altLang="en-US" dirty="0"/>
+              <a:t>= .249</a:t>
+            </a:r>
+          </a:p>
+          <a:p>
+            <a:pPr eaLnBrk="1" hangingPunct="1"/>
+            <a:r>
+              <a:rPr lang="en-US" altLang="en-US" dirty="0"/>
+              <a:t>Emissions</a:t>
+            </a:r>
+          </a:p>
+          <a:p>
+            <a:pPr marL="457200" lvl="1" indent="0">
+              <a:buNone/>
+            </a:pPr>
+            <a:r>
+              <a:rPr lang="en-US" altLang="en-US" dirty="0"/>
+              <a:t>P(</a:t>
+            </a:r>
+            <a:r>
+              <a:rPr lang="en-US" altLang="en-US" dirty="0" err="1"/>
+              <a:t>this|DT</a:t>
+            </a:r>
+            <a:r>
+              <a:rPr lang="en-US" altLang="en-US" dirty="0"/>
+              <a:t>) = C(</a:t>
+            </a:r>
+            <a:r>
+              <a:rPr lang="en-US" altLang="en-US" dirty="0" err="1"/>
+              <a:t>DT,this</a:t>
+            </a:r>
+            <a:r>
+              <a:rPr lang="en-US" altLang="en-US" dirty="0"/>
+              <a:t>)/C(DT</a:t>
+            </a:r>
+            <a:r>
+              <a:rPr lang="en-US" altLang="en-US" dirty="0" smtClean="0"/>
+              <a:t>) = 7037/103687 </a:t>
+            </a:r>
+            <a:r>
+              <a:rPr lang="en-US" altLang="en-US" dirty="0"/>
+              <a:t>= .068</a:t>
+            </a:r>
+          </a:p>
+        </p:txBody>
+      </p:sp>
+    </p:spTree>
+    <p:extLst>
+      <p:ext uri="{BB962C8B-B14F-4D97-AF65-F5344CB8AC3E}">
+        <p14:creationId xmlns:p14="http://schemas.microsoft.com/office/powerpoint/2010/main" val="1573557647"/>
+      </p:ext>
+    </p:extLst>
+  </p:cSld>
+  <p:clrMapOvr>
+    <a:masterClrMapping/>
+  </p:clrMapOvr>
+  <p:timing>
+    <p:tnLst>
+      <p:par>
+        <p:cTn id="1" dur="indefinite" restart="never" nodeType="tmRoot"/>
+      </p:par>
+    </p:tnLst>
+  </p:timing>
 </p:sld>
 </file>
 
